--- a/report/终期答辩.pptx
+++ b/report/终期答辩.pptx
@@ -230,7 +230,7 @@
           <a:p>
             <a:fld id="{9724786A-0E0B-43DF-9793-0C67E669A08E}" type="datetimeFigureOut">
               <a:rPr lang="zh-CN" altLang="en-US" smtClean="0"/>
-              <a:t>2020/7/12</a:t>
+              <a:t>2020/7/13</a:t>
             </a:fld>
             <a:endParaRPr lang="zh-CN" altLang="en-US"/>
           </a:p>
@@ -3314,7 +3314,7 @@
           <a:p>
             <a:fld id="{7324BA3F-A0D8-4CF2-88CE-03EF0D7A3DF6}" type="datetimeFigureOut">
               <a:rPr lang="zh-CN" altLang="en-US" smtClean="0"/>
-              <a:t>2020/7/12</a:t>
+              <a:t>2020/7/13</a:t>
             </a:fld>
             <a:endParaRPr lang="zh-CN" altLang="en-US"/>
           </a:p>
@@ -3494,7 +3494,7 @@
           <a:p>
             <a:fld id="{7324BA3F-A0D8-4CF2-88CE-03EF0D7A3DF6}" type="datetimeFigureOut">
               <a:rPr lang="zh-CN" altLang="en-US" smtClean="0"/>
-              <a:t>2020/7/12</a:t>
+              <a:t>2020/7/13</a:t>
             </a:fld>
             <a:endParaRPr lang="zh-CN" altLang="en-US"/>
           </a:p>
@@ -3684,7 +3684,7 @@
           <a:p>
             <a:fld id="{7324BA3F-A0D8-4CF2-88CE-03EF0D7A3DF6}" type="datetimeFigureOut">
               <a:rPr lang="zh-CN" altLang="en-US" smtClean="0"/>
-              <a:t>2020/7/12</a:t>
+              <a:t>2020/7/13</a:t>
             </a:fld>
             <a:endParaRPr lang="zh-CN" altLang="en-US"/>
           </a:p>
@@ -3864,7 +3864,7 @@
           <a:p>
             <a:fld id="{7324BA3F-A0D8-4CF2-88CE-03EF0D7A3DF6}" type="datetimeFigureOut">
               <a:rPr lang="zh-CN" altLang="en-US" smtClean="0"/>
-              <a:t>2020/7/12</a:t>
+              <a:t>2020/7/13</a:t>
             </a:fld>
             <a:endParaRPr lang="zh-CN" altLang="en-US"/>
           </a:p>
@@ -4121,7 +4121,7 @@
           <a:p>
             <a:fld id="{7324BA3F-A0D8-4CF2-88CE-03EF0D7A3DF6}" type="datetimeFigureOut">
               <a:rPr lang="zh-CN" altLang="en-US" smtClean="0"/>
-              <a:t>2020/7/12</a:t>
+              <a:t>2020/7/13</a:t>
             </a:fld>
             <a:endParaRPr lang="zh-CN" altLang="en-US"/>
           </a:p>
@@ -4362,7 +4362,7 @@
           <a:p>
             <a:fld id="{7324BA3F-A0D8-4CF2-88CE-03EF0D7A3DF6}" type="datetimeFigureOut">
               <a:rPr lang="zh-CN" altLang="en-US" smtClean="0"/>
-              <a:t>2020/7/12</a:t>
+              <a:t>2020/7/13</a:t>
             </a:fld>
             <a:endParaRPr lang="zh-CN" altLang="en-US"/>
           </a:p>
@@ -4738,7 +4738,7 @@
           <a:p>
             <a:fld id="{7324BA3F-A0D8-4CF2-88CE-03EF0D7A3DF6}" type="datetimeFigureOut">
               <a:rPr lang="zh-CN" altLang="en-US" smtClean="0"/>
-              <a:t>2020/7/12</a:t>
+              <a:t>2020/7/13</a:t>
             </a:fld>
             <a:endParaRPr lang="zh-CN" altLang="en-US"/>
           </a:p>
@@ -4867,7 +4867,7 @@
           <a:p>
             <a:fld id="{7324BA3F-A0D8-4CF2-88CE-03EF0D7A3DF6}" type="datetimeFigureOut">
               <a:rPr lang="zh-CN" altLang="en-US" smtClean="0"/>
-              <a:t>2020/7/12</a:t>
+              <a:t>2020/7/13</a:t>
             </a:fld>
             <a:endParaRPr lang="zh-CN" altLang="en-US"/>
           </a:p>
@@ -4974,7 +4974,7 @@
           <a:p>
             <a:fld id="{7324BA3F-A0D8-4CF2-88CE-03EF0D7A3DF6}" type="datetimeFigureOut">
               <a:rPr lang="zh-CN" altLang="en-US" smtClean="0"/>
-              <a:t>2020/7/12</a:t>
+              <a:t>2020/7/13</a:t>
             </a:fld>
             <a:endParaRPr lang="zh-CN" altLang="en-US"/>
           </a:p>
@@ -5261,7 +5261,7 @@
           <a:p>
             <a:fld id="{7324BA3F-A0D8-4CF2-88CE-03EF0D7A3DF6}" type="datetimeFigureOut">
               <a:rPr lang="zh-CN" altLang="en-US" smtClean="0"/>
-              <a:t>2020/7/12</a:t>
+              <a:t>2020/7/13</a:t>
             </a:fld>
             <a:endParaRPr lang="zh-CN" altLang="en-US"/>
           </a:p>
@@ -5525,7 +5525,7 @@
           <a:p>
             <a:fld id="{7324BA3F-A0D8-4CF2-88CE-03EF0D7A3DF6}" type="datetimeFigureOut">
               <a:rPr lang="zh-CN" altLang="en-US" smtClean="0"/>
-              <a:t>2020/7/12</a:t>
+              <a:t>2020/7/13</a:t>
             </a:fld>
             <a:endParaRPr lang="zh-CN" altLang="en-US"/>
           </a:p>
@@ -5748,7 +5748,7 @@
           <a:p>
             <a:fld id="{7324BA3F-A0D8-4CF2-88CE-03EF0D7A3DF6}" type="datetimeFigureOut">
               <a:rPr lang="zh-CN" altLang="en-US" smtClean="0"/>
-              <a:t>2020/7/12</a:t>
+              <a:t>2020/7/13</a:t>
             </a:fld>
             <a:endParaRPr lang="zh-CN" altLang="en-US"/>
           </a:p>
@@ -6174,7 +6174,7 @@
           <p:nvPr/>
         </p:nvPicPr>
         <p:blipFill rotWithShape="1">
-          <a:blip r:embed="rId5">
+          <a:blip r:embed="rId6">
             <a:extLst>
               <a:ext uri="{28A0092B-C50C-407E-A947-70E740481C1C}">
                 <a14:useLocalDpi xmlns:a14="http://schemas.microsoft.com/office/drawing/2010/main" val="0"/>
@@ -6277,7 +6277,7 @@
               <a:t>答辩人：邓梁   日期：</a:t>
             </a:r>
             <a:r>
-              <a:rPr lang="en-US" altLang="zh-CN" sz="1600" dirty="0">
+              <a:rPr lang="en-US" altLang="zh-CN" sz="1600">
                 <a:solidFill>
                   <a:schemeClr val="bg1">
                     <a:lumMod val="50000"/>
@@ -6286,7 +6286,7 @@
                 <a:latin typeface="微软雅黑" panose="020B0503020204020204" pitchFamily="34" charset="-122"/>
                 <a:ea typeface="微软雅黑" panose="020B0503020204020204" pitchFamily="34" charset="-122"/>
               </a:rPr>
-              <a:t>2020/07/12</a:t>
+              <a:t>2020/07/13</a:t>
             </a:r>
             <a:endParaRPr lang="zh-CN" altLang="en-US" sz="1600" dirty="0">
               <a:solidFill>
@@ -6329,6 +6329,54 @@
               <a:ea typeface="Arial Unicode MS" panose="020B0604020202020204" pitchFamily="34" charset="-122"/>
               <a:cs typeface="Arial Unicode MS" panose="020B0604020202020204" pitchFamily="34" charset="-122"/>
             </a:endParaRPr>
+          </a:p>
+        </p:txBody>
+      </p:sp>
+      <p:sp>
+        <p:nvSpPr>
+          <p:cNvPr id="6" name="PA_文本框 2">
+            <a:extLst>
+              <a:ext uri="{FF2B5EF4-FFF2-40B4-BE49-F238E27FC236}">
+                <a16:creationId xmlns:a16="http://schemas.microsoft.com/office/drawing/2014/main" id="{BF8A1A0C-1E60-41BC-B136-D29C283BC2A2}"/>
+              </a:ext>
+            </a:extLst>
+          </p:cNvPr>
+          <p:cNvSpPr txBox="1"/>
+          <p:nvPr>
+            <p:custDataLst>
+              <p:tags r:id="rId3"/>
+            </p:custDataLst>
+          </p:nvPr>
+        </p:nvSpPr>
+        <p:spPr>
+          <a:xfrm>
+            <a:off x="7331949" y="5084563"/>
+            <a:ext cx="4288353" cy="338554"/>
+          </a:xfrm>
+          <a:prstGeom prst="rect">
+            <a:avLst/>
+          </a:prstGeom>
+          <a:noFill/>
+        </p:spPr>
+        <p:txBody>
+          <a:bodyPr wrap="none" rtlCol="0">
+            <a:spAutoFit/>
+          </a:bodyPr>
+          <a:lstStyle/>
+          <a:p>
+            <a:pPr algn="r"/>
+            <a:r>
+              <a:rPr lang="zh-CN" altLang="en-US" sz="1600" dirty="0">
+                <a:solidFill>
+                  <a:schemeClr val="bg1">
+                    <a:lumMod val="50000"/>
+                  </a:schemeClr>
+                </a:solidFill>
+                <a:latin typeface="微软雅黑" panose="020B0503020204020204" pitchFamily="34" charset="-122"/>
+                <a:ea typeface="微软雅黑" panose="020B0503020204020204" pitchFamily="34" charset="-122"/>
+              </a:rPr>
+              <a:t>小组成员：李佳诚、王玉月、周卓航、李原苇</a:t>
+            </a:r>
           </a:p>
         </p:txBody>
       </p:sp>
@@ -6538,6 +6586,88 @@
                             </p:childTnLst>
                           </p:cTn>
                         </p:par>
+                        <p:par>
+                          <p:cTn id="14" fill="hold">
+                            <p:stCondLst>
+                              <p:cond delay="1150"/>
+                            </p:stCondLst>
+                            <p:childTnLst>
+                              <p:par>
+                                <p:cTn id="15" presetID="2" presetClass="entr" presetSubtype="4" fill="hold" grpId="0" nodeType="afterEffect">
+                                  <p:stCondLst>
+                                    <p:cond delay="0"/>
+                                  </p:stCondLst>
+                                  <p:childTnLst>
+                                    <p:set>
+                                      <p:cBhvr>
+                                        <p:cTn id="16" dur="1" fill="hold">
+                                          <p:stCondLst>
+                                            <p:cond delay="0"/>
+                                          </p:stCondLst>
+                                        </p:cTn>
+                                        <p:tgtEl>
+                                          <p:spTgt spid="6"/>
+                                        </p:tgtEl>
+                                        <p:attrNameLst>
+                                          <p:attrName>style.visibility</p:attrName>
+                                        </p:attrNameLst>
+                                      </p:cBhvr>
+                                      <p:to>
+                                        <p:strVal val="visible"/>
+                                      </p:to>
+                                    </p:set>
+                                    <p:anim calcmode="lin" valueType="num">
+                                      <p:cBhvr additive="base">
+                                        <p:cTn id="17" dur="500" fill="hold"/>
+                                        <p:tgtEl>
+                                          <p:spTgt spid="6"/>
+                                        </p:tgtEl>
+                                        <p:attrNameLst>
+                                          <p:attrName>ppt_x</p:attrName>
+                                        </p:attrNameLst>
+                                      </p:cBhvr>
+                                      <p:tavLst>
+                                        <p:tav tm="0">
+                                          <p:val>
+                                            <p:strVal val="#ppt_x"/>
+                                          </p:val>
+                                        </p:tav>
+                                        <p:tav tm="100000">
+                                          <p:val>
+                                            <p:strVal val="#ppt_x"/>
+                                          </p:val>
+                                        </p:tav>
+                                      </p:tavLst>
+                                    </p:anim>
+                                    <p:anim calcmode="lin" valueType="num">
+                                      <p:cBhvr additive="base">
+                                        <p:cTn id="18" dur="500" fill="hold"/>
+                                        <p:tgtEl>
+                                          <p:spTgt spid="6"/>
+                                        </p:tgtEl>
+                                        <p:attrNameLst>
+                                          <p:attrName>ppt_y</p:attrName>
+                                        </p:attrNameLst>
+                                      </p:cBhvr>
+                                      <p:tavLst>
+                                        <p:tav tm="0">
+                                          <p:val>
+                                            <p:strVal val="1+#ppt_h/2"/>
+                                          </p:val>
+                                        </p:tav>
+                                        <p:tav tm="100000">
+                                          <p:val>
+                                            <p:strVal val="#ppt_y"/>
+                                          </p:val>
+                                        </p:tav>
+                                      </p:tavLst>
+                                    </p:anim>
+                                  </p:childTnLst>
+                                </p:cTn>
+                              </p:par>
+                            </p:childTnLst>
+                          </p:cTn>
+                        </p:par>
                       </p:childTnLst>
                     </p:cTn>
                   </p:par>
@@ -6565,6 +6695,7 @@
     <p:bldLst>
       <p:bldP spid="4" grpId="0"/>
       <p:bldP spid="5" grpId="0"/>
+      <p:bldP spid="6" grpId="0"/>
     </p:bldLst>
   </p:timing>
 </p:sld>
@@ -22216,6 +22347,12 @@
 </p:tagLst>
 </file>
 
+<file path=ppt/tags/tag5.xml><?xml version="1.0" encoding="utf-8"?>
+<p:tagLst xmlns:a="http://schemas.openxmlformats.org/drawingml/2006/main" xmlns:r="http://schemas.openxmlformats.org/officeDocument/2006/relationships" xmlns:p="http://schemas.openxmlformats.org/presentationml/2006/main">
+  <p:tag name="PA" val="v3.0.1"/>
+</p:tagLst>
+</file>
+
 <file path=ppt/theme/theme1.xml><?xml version="1.0" encoding="utf-8"?>
 <a:theme xmlns:a="http://schemas.openxmlformats.org/drawingml/2006/main" name="Office 主题">
   <a:themeElements>

--- a/report/终期答辩.pptx
+++ b/report/终期答辩.pptx
@@ -5,7 +5,7 @@
     <p:sldMasterId id="2147483648" r:id="rId1"/>
   </p:sldMasterIdLst>
   <p:notesMasterIdLst>
-    <p:notesMasterId r:id="rId36"/>
+    <p:notesMasterId r:id="rId37"/>
   </p:notesMasterIdLst>
   <p:sldIdLst>
     <p:sldId id="287" r:id="rId2"/>
@@ -14,34 +14,35 @@
     <p:sldId id="340" r:id="rId5"/>
     <p:sldId id="341" r:id="rId6"/>
     <p:sldId id="342" r:id="rId7"/>
-    <p:sldId id="344" r:id="rId8"/>
-    <p:sldId id="343" r:id="rId9"/>
-    <p:sldId id="346" r:id="rId10"/>
-    <p:sldId id="349" r:id="rId11"/>
-    <p:sldId id="347" r:id="rId12"/>
-    <p:sldId id="354" r:id="rId13"/>
-    <p:sldId id="355" r:id="rId14"/>
-    <p:sldId id="356" r:id="rId15"/>
-    <p:sldId id="357" r:id="rId16"/>
-    <p:sldId id="358" r:id="rId17"/>
-    <p:sldId id="359" r:id="rId18"/>
-    <p:sldId id="360" r:id="rId19"/>
-    <p:sldId id="361" r:id="rId20"/>
-    <p:sldId id="348" r:id="rId21"/>
-    <p:sldId id="362" r:id="rId22"/>
-    <p:sldId id="363" r:id="rId23"/>
-    <p:sldId id="337" r:id="rId24"/>
-    <p:sldId id="345" r:id="rId25"/>
-    <p:sldId id="288" r:id="rId26"/>
-    <p:sldId id="338" r:id="rId27"/>
-    <p:sldId id="350" r:id="rId28"/>
-    <p:sldId id="351" r:id="rId29"/>
-    <p:sldId id="291" r:id="rId30"/>
-    <p:sldId id="364" r:id="rId31"/>
-    <p:sldId id="366" r:id="rId32"/>
-    <p:sldId id="367" r:id="rId33"/>
-    <p:sldId id="368" r:id="rId34"/>
-    <p:sldId id="323" r:id="rId35"/>
+    <p:sldId id="369" r:id="rId8"/>
+    <p:sldId id="344" r:id="rId9"/>
+    <p:sldId id="343" r:id="rId10"/>
+    <p:sldId id="346" r:id="rId11"/>
+    <p:sldId id="349" r:id="rId12"/>
+    <p:sldId id="347" r:id="rId13"/>
+    <p:sldId id="354" r:id="rId14"/>
+    <p:sldId id="355" r:id="rId15"/>
+    <p:sldId id="356" r:id="rId16"/>
+    <p:sldId id="357" r:id="rId17"/>
+    <p:sldId id="358" r:id="rId18"/>
+    <p:sldId id="359" r:id="rId19"/>
+    <p:sldId id="360" r:id="rId20"/>
+    <p:sldId id="361" r:id="rId21"/>
+    <p:sldId id="348" r:id="rId22"/>
+    <p:sldId id="362" r:id="rId23"/>
+    <p:sldId id="363" r:id="rId24"/>
+    <p:sldId id="337" r:id="rId25"/>
+    <p:sldId id="345" r:id="rId26"/>
+    <p:sldId id="288" r:id="rId27"/>
+    <p:sldId id="338" r:id="rId28"/>
+    <p:sldId id="350" r:id="rId29"/>
+    <p:sldId id="351" r:id="rId30"/>
+    <p:sldId id="291" r:id="rId31"/>
+    <p:sldId id="364" r:id="rId32"/>
+    <p:sldId id="366" r:id="rId33"/>
+    <p:sldId id="367" r:id="rId34"/>
+    <p:sldId id="368" r:id="rId35"/>
+    <p:sldId id="323" r:id="rId36"/>
   </p:sldIdLst>
   <p:sldSz cx="12192000" cy="6858000"/>
   <p:notesSz cx="6858000" cy="9144000"/>
@@ -655,7 +656,7 @@
     </p:spTree>
     <p:extLst>
       <p:ext uri="{BB962C8B-B14F-4D97-AF65-F5344CB8AC3E}">
-        <p14:creationId xmlns:p14="http://schemas.microsoft.com/office/powerpoint/2010/main" val="2900263687"/>
+        <p14:creationId xmlns:p14="http://schemas.microsoft.com/office/powerpoint/2010/main" val="4225310118"/>
       </p:ext>
     </p:extLst>
   </p:cSld>
@@ -739,7 +740,7 @@
     </p:spTree>
     <p:extLst>
       <p:ext uri="{BB962C8B-B14F-4D97-AF65-F5344CB8AC3E}">
-        <p14:creationId xmlns:p14="http://schemas.microsoft.com/office/powerpoint/2010/main" val="1208645319"/>
+        <p14:creationId xmlns:p14="http://schemas.microsoft.com/office/powerpoint/2010/main" val="2900263687"/>
       </p:ext>
     </p:extLst>
   </p:cSld>
@@ -812,7 +813,7 @@
           <a:bodyPr/>
           <a:lstStyle/>
           <a:p>
-            <a:fld id="{1B6DA5A5-231D-4700-96A1-D09E4BD293F8}" type="slidenum">
+            <a:fld id="{74AC173A-3DA8-4893-B28A-1E15F55C330A}" type="slidenum">
               <a:rPr lang="zh-CN" altLang="en-US" smtClean="0"/>
               <a:t>12</a:t>
             </a:fld>
@@ -823,7 +824,7 @@
     </p:spTree>
     <p:extLst>
       <p:ext uri="{BB962C8B-B14F-4D97-AF65-F5344CB8AC3E}">
-        <p14:creationId xmlns:p14="http://schemas.microsoft.com/office/powerpoint/2010/main" val="2879010257"/>
+        <p14:creationId xmlns:p14="http://schemas.microsoft.com/office/powerpoint/2010/main" val="1208645319"/>
       </p:ext>
     </p:extLst>
   </p:cSld>
@@ -907,7 +908,7 @@
     </p:spTree>
     <p:extLst>
       <p:ext uri="{BB962C8B-B14F-4D97-AF65-F5344CB8AC3E}">
-        <p14:creationId xmlns:p14="http://schemas.microsoft.com/office/powerpoint/2010/main" val="1010764904"/>
+        <p14:creationId xmlns:p14="http://schemas.microsoft.com/office/powerpoint/2010/main" val="2879010257"/>
       </p:ext>
     </p:extLst>
   </p:cSld>
@@ -991,7 +992,7 @@
     </p:spTree>
     <p:extLst>
       <p:ext uri="{BB962C8B-B14F-4D97-AF65-F5344CB8AC3E}">
-        <p14:creationId xmlns:p14="http://schemas.microsoft.com/office/powerpoint/2010/main" val="1359154779"/>
+        <p14:creationId xmlns:p14="http://schemas.microsoft.com/office/powerpoint/2010/main" val="1010764904"/>
       </p:ext>
     </p:extLst>
   </p:cSld>
@@ -1075,7 +1076,7 @@
     </p:spTree>
     <p:extLst>
       <p:ext uri="{BB962C8B-B14F-4D97-AF65-F5344CB8AC3E}">
-        <p14:creationId xmlns:p14="http://schemas.microsoft.com/office/powerpoint/2010/main" val="3852296603"/>
+        <p14:creationId xmlns:p14="http://schemas.microsoft.com/office/powerpoint/2010/main" val="1359154779"/>
       </p:ext>
     </p:extLst>
   </p:cSld>
@@ -1159,7 +1160,7 @@
     </p:spTree>
     <p:extLst>
       <p:ext uri="{BB962C8B-B14F-4D97-AF65-F5344CB8AC3E}">
-        <p14:creationId xmlns:p14="http://schemas.microsoft.com/office/powerpoint/2010/main" val="2118567062"/>
+        <p14:creationId xmlns:p14="http://schemas.microsoft.com/office/powerpoint/2010/main" val="3852296603"/>
       </p:ext>
     </p:extLst>
   </p:cSld>
@@ -1243,7 +1244,7 @@
     </p:spTree>
     <p:extLst>
       <p:ext uri="{BB962C8B-B14F-4D97-AF65-F5344CB8AC3E}">
-        <p14:creationId xmlns:p14="http://schemas.microsoft.com/office/powerpoint/2010/main" val="3210999880"/>
+        <p14:creationId xmlns:p14="http://schemas.microsoft.com/office/powerpoint/2010/main" val="2118567062"/>
       </p:ext>
     </p:extLst>
   </p:cSld>
@@ -1327,7 +1328,7 @@
     </p:spTree>
     <p:extLst>
       <p:ext uri="{BB962C8B-B14F-4D97-AF65-F5344CB8AC3E}">
-        <p14:creationId xmlns:p14="http://schemas.microsoft.com/office/powerpoint/2010/main" val="2823468588"/>
+        <p14:creationId xmlns:p14="http://schemas.microsoft.com/office/powerpoint/2010/main" val="3210999880"/>
       </p:ext>
     </p:extLst>
   </p:cSld>
@@ -1411,7 +1412,7 @@
     </p:spTree>
     <p:extLst>
       <p:ext uri="{BB962C8B-B14F-4D97-AF65-F5344CB8AC3E}">
-        <p14:creationId xmlns:p14="http://schemas.microsoft.com/office/powerpoint/2010/main" val="199661131"/>
+        <p14:creationId xmlns:p14="http://schemas.microsoft.com/office/powerpoint/2010/main" val="2823468588"/>
       </p:ext>
     </p:extLst>
   </p:cSld>
@@ -1579,7 +1580,7 @@
     </p:spTree>
     <p:extLst>
       <p:ext uri="{BB962C8B-B14F-4D97-AF65-F5344CB8AC3E}">
-        <p14:creationId xmlns:p14="http://schemas.microsoft.com/office/powerpoint/2010/main" val="907542281"/>
+        <p14:creationId xmlns:p14="http://schemas.microsoft.com/office/powerpoint/2010/main" val="199661131"/>
       </p:ext>
     </p:extLst>
   </p:cSld>
@@ -1663,7 +1664,7 @@
     </p:spTree>
     <p:extLst>
       <p:ext uri="{BB962C8B-B14F-4D97-AF65-F5344CB8AC3E}">
-        <p14:creationId xmlns:p14="http://schemas.microsoft.com/office/powerpoint/2010/main" val="2123485124"/>
+        <p14:creationId xmlns:p14="http://schemas.microsoft.com/office/powerpoint/2010/main" val="907542281"/>
       </p:ext>
     </p:extLst>
   </p:cSld>
@@ -1747,7 +1748,7 @@
     </p:spTree>
     <p:extLst>
       <p:ext uri="{BB962C8B-B14F-4D97-AF65-F5344CB8AC3E}">
-        <p14:creationId xmlns:p14="http://schemas.microsoft.com/office/powerpoint/2010/main" val="3117837525"/>
+        <p14:creationId xmlns:p14="http://schemas.microsoft.com/office/powerpoint/2010/main" val="2123485124"/>
       </p:ext>
     </p:extLst>
   </p:cSld>
@@ -1831,7 +1832,7 @@
     </p:spTree>
     <p:extLst>
       <p:ext uri="{BB962C8B-B14F-4D97-AF65-F5344CB8AC3E}">
-        <p14:creationId xmlns:p14="http://schemas.microsoft.com/office/powerpoint/2010/main" val="4132436115"/>
+        <p14:creationId xmlns:p14="http://schemas.microsoft.com/office/powerpoint/2010/main" val="3117837525"/>
       </p:ext>
     </p:extLst>
   </p:cSld>
@@ -1906,7 +1907,7 @@
           <a:p>
             <a:fld id="{1B6DA5A5-231D-4700-96A1-D09E4BD293F8}" type="slidenum">
               <a:rPr lang="zh-CN" altLang="en-US" smtClean="0"/>
-              <a:t>26</a:t>
+              <a:t>24</a:t>
             </a:fld>
             <a:endParaRPr lang="zh-CN" altLang="en-US"/>
           </a:p>
@@ -1915,7 +1916,7 @@
     </p:spTree>
     <p:extLst>
       <p:ext uri="{BB962C8B-B14F-4D97-AF65-F5344CB8AC3E}">
-        <p14:creationId xmlns:p14="http://schemas.microsoft.com/office/powerpoint/2010/main" val="2843345084"/>
+        <p14:creationId xmlns:p14="http://schemas.microsoft.com/office/powerpoint/2010/main" val="4132436115"/>
       </p:ext>
     </p:extLst>
   </p:cSld>
@@ -1988,7 +1989,7 @@
           <a:bodyPr/>
           <a:lstStyle/>
           <a:p>
-            <a:fld id="{74AC173A-3DA8-4893-B28A-1E15F55C330A}" type="slidenum">
+            <a:fld id="{1B6DA5A5-231D-4700-96A1-D09E4BD293F8}" type="slidenum">
               <a:rPr lang="zh-CN" altLang="en-US" smtClean="0"/>
               <a:t>27</a:t>
             </a:fld>
@@ -1999,7 +2000,7 @@
     </p:spTree>
     <p:extLst>
       <p:ext uri="{BB962C8B-B14F-4D97-AF65-F5344CB8AC3E}">
-        <p14:creationId xmlns:p14="http://schemas.microsoft.com/office/powerpoint/2010/main" val="2906139137"/>
+        <p14:creationId xmlns:p14="http://schemas.microsoft.com/office/powerpoint/2010/main" val="2843345084"/>
       </p:ext>
     </p:extLst>
   </p:cSld>
@@ -2083,7 +2084,7 @@
     </p:spTree>
     <p:extLst>
       <p:ext uri="{BB962C8B-B14F-4D97-AF65-F5344CB8AC3E}">
-        <p14:creationId xmlns:p14="http://schemas.microsoft.com/office/powerpoint/2010/main" val="1857992682"/>
+        <p14:creationId xmlns:p14="http://schemas.microsoft.com/office/powerpoint/2010/main" val="2906139137"/>
       </p:ext>
     </p:extLst>
   </p:cSld>
@@ -2167,7 +2168,7 @@
     </p:spTree>
     <p:extLst>
       <p:ext uri="{BB962C8B-B14F-4D97-AF65-F5344CB8AC3E}">
-        <p14:creationId xmlns:p14="http://schemas.microsoft.com/office/powerpoint/2010/main" val="1420040243"/>
+        <p14:creationId xmlns:p14="http://schemas.microsoft.com/office/powerpoint/2010/main" val="1857992682"/>
       </p:ext>
     </p:extLst>
   </p:cSld>
@@ -2251,7 +2252,7 @@
     </p:spTree>
     <p:extLst>
       <p:ext uri="{BB962C8B-B14F-4D97-AF65-F5344CB8AC3E}">
-        <p14:creationId xmlns:p14="http://schemas.microsoft.com/office/powerpoint/2010/main" val="832143483"/>
+        <p14:creationId xmlns:p14="http://schemas.microsoft.com/office/powerpoint/2010/main" val="1420040243"/>
       </p:ext>
     </p:extLst>
   </p:cSld>
@@ -2335,7 +2336,7 @@
     </p:spTree>
     <p:extLst>
       <p:ext uri="{BB962C8B-B14F-4D97-AF65-F5344CB8AC3E}">
-        <p14:creationId xmlns:p14="http://schemas.microsoft.com/office/powerpoint/2010/main" val="267017375"/>
+        <p14:creationId xmlns:p14="http://schemas.microsoft.com/office/powerpoint/2010/main" val="832143483"/>
       </p:ext>
     </p:extLst>
   </p:cSld>
@@ -2503,7 +2504,7 @@
     </p:spTree>
     <p:extLst>
       <p:ext uri="{BB962C8B-B14F-4D97-AF65-F5344CB8AC3E}">
-        <p14:creationId xmlns:p14="http://schemas.microsoft.com/office/powerpoint/2010/main" val="4148532189"/>
+        <p14:creationId xmlns:p14="http://schemas.microsoft.com/office/powerpoint/2010/main" val="267017375"/>
       </p:ext>
     </p:extLst>
   </p:cSld>
@@ -2587,7 +2588,7 @@
     </p:spTree>
     <p:extLst>
       <p:ext uri="{BB962C8B-B14F-4D97-AF65-F5344CB8AC3E}">
-        <p14:creationId xmlns:p14="http://schemas.microsoft.com/office/powerpoint/2010/main" val="3569507799"/>
+        <p14:creationId xmlns:p14="http://schemas.microsoft.com/office/powerpoint/2010/main" val="4148532189"/>
       </p:ext>
     </p:extLst>
   </p:cSld>
@@ -2660,9 +2661,93 @@
           <a:bodyPr/>
           <a:lstStyle/>
           <a:p>
+            <a:fld id="{74AC173A-3DA8-4893-B28A-1E15F55C330A}" type="slidenum">
+              <a:rPr lang="zh-CN" altLang="en-US" smtClean="0"/>
+              <a:t>34</a:t>
+            </a:fld>
+            <a:endParaRPr lang="zh-CN" altLang="en-US"/>
+          </a:p>
+        </p:txBody>
+      </p:sp>
+    </p:spTree>
+    <p:extLst>
+      <p:ext uri="{BB962C8B-B14F-4D97-AF65-F5344CB8AC3E}">
+        <p14:creationId xmlns:p14="http://schemas.microsoft.com/office/powerpoint/2010/main" val="3569507799"/>
+      </p:ext>
+    </p:extLst>
+  </p:cSld>
+  <p:clrMapOvr>
+    <a:masterClrMapping/>
+  </p:clrMapOvr>
+</p:notes>
+</file>
+
+<file path=ppt/notesSlides/notesSlide33.xml><?xml version="1.0" encoding="utf-8"?>
+<p:notes xmlns:a="http://schemas.openxmlformats.org/drawingml/2006/main" xmlns:r="http://schemas.openxmlformats.org/officeDocument/2006/relationships" xmlns:p="http://schemas.openxmlformats.org/presentationml/2006/main">
+  <p:cSld>
+    <p:spTree>
+      <p:nvGrpSpPr>
+        <p:cNvPr id="1" name=""/>
+        <p:cNvGrpSpPr/>
+        <p:nvPr/>
+      </p:nvGrpSpPr>
+      <p:grpSpPr>
+        <a:xfrm>
+          <a:off x="0" y="0"/>
+          <a:ext cx="0" cy="0"/>
+          <a:chOff x="0" y="0"/>
+          <a:chExt cx="0" cy="0"/>
+        </a:xfrm>
+      </p:grpSpPr>
+      <p:sp>
+        <p:nvSpPr>
+          <p:cNvPr id="2" name="幻灯片图像占位符 1"/>
+          <p:cNvSpPr>
+            <a:spLocks noGrp="1" noRot="1" noChangeAspect="1"/>
+          </p:cNvSpPr>
+          <p:nvPr>
+            <p:ph type="sldImg"/>
+          </p:nvPr>
+        </p:nvSpPr>
+        <p:spPr/>
+      </p:sp>
+      <p:sp>
+        <p:nvSpPr>
+          <p:cNvPr id="3" name="备注占位符 2"/>
+          <p:cNvSpPr>
+            <a:spLocks noGrp="1"/>
+          </p:cNvSpPr>
+          <p:nvPr>
+            <p:ph type="body" idx="1"/>
+          </p:nvPr>
+        </p:nvSpPr>
+        <p:spPr/>
+        <p:txBody>
+          <a:bodyPr/>
+          <a:lstStyle/>
+          <a:p>
+            <a:endParaRPr lang="zh-CN" altLang="en-US"/>
+          </a:p>
+        </p:txBody>
+      </p:sp>
+      <p:sp>
+        <p:nvSpPr>
+          <p:cNvPr id="4" name="灯片编号占位符 3"/>
+          <p:cNvSpPr>
+            <a:spLocks noGrp="1"/>
+          </p:cNvSpPr>
+          <p:nvPr>
+            <p:ph type="sldNum" sz="quarter" idx="10"/>
+          </p:nvPr>
+        </p:nvSpPr>
+        <p:spPr/>
+        <p:txBody>
+          <a:bodyPr/>
+          <a:lstStyle/>
+          <a:p>
             <a:fld id="{31294D94-4740-4910-8270-B92171049033}" type="slidenum">
               <a:rPr lang="zh-CN" altLang="en-US" smtClean="0"/>
-              <a:t>34</a:t>
+              <a:t>35</a:t>
             </a:fld>
             <a:endParaRPr lang="zh-CN" altLang="en-US"/>
           </a:p>
@@ -2996,7 +3081,7 @@
           <a:bodyPr/>
           <a:lstStyle/>
           <a:p>
-            <a:fld id="{1B6DA5A5-231D-4700-96A1-D09E4BD293F8}" type="slidenum">
+            <a:fld id="{74AC173A-3DA8-4893-B28A-1E15F55C330A}" type="slidenum">
               <a:rPr lang="zh-CN" altLang="en-US" smtClean="0"/>
               <a:t>7</a:t>
             </a:fld>
@@ -3007,7 +3092,7 @@
     </p:spTree>
     <p:extLst>
       <p:ext uri="{BB962C8B-B14F-4D97-AF65-F5344CB8AC3E}">
-        <p14:creationId xmlns:p14="http://schemas.microsoft.com/office/powerpoint/2010/main" val="1975924562"/>
+        <p14:creationId xmlns:p14="http://schemas.microsoft.com/office/powerpoint/2010/main" val="2957916796"/>
       </p:ext>
     </p:extLst>
   </p:cSld>
@@ -3080,7 +3165,7 @@
           <a:bodyPr/>
           <a:lstStyle/>
           <a:p>
-            <a:fld id="{74AC173A-3DA8-4893-B28A-1E15F55C330A}" type="slidenum">
+            <a:fld id="{1B6DA5A5-231D-4700-96A1-D09E4BD293F8}" type="slidenum">
               <a:rPr lang="zh-CN" altLang="en-US" smtClean="0"/>
               <a:t>8</a:t>
             </a:fld>
@@ -3091,7 +3176,7 @@
     </p:spTree>
     <p:extLst>
       <p:ext uri="{BB962C8B-B14F-4D97-AF65-F5344CB8AC3E}">
-        <p14:creationId xmlns:p14="http://schemas.microsoft.com/office/powerpoint/2010/main" val="1119189123"/>
+        <p14:creationId xmlns:p14="http://schemas.microsoft.com/office/powerpoint/2010/main" val="1975924562"/>
       </p:ext>
     </p:extLst>
   </p:cSld>
@@ -3175,7 +3260,7 @@
     </p:spTree>
     <p:extLst>
       <p:ext uri="{BB962C8B-B14F-4D97-AF65-F5344CB8AC3E}">
-        <p14:creationId xmlns:p14="http://schemas.microsoft.com/office/powerpoint/2010/main" val="4225310118"/>
+        <p14:creationId xmlns:p14="http://schemas.microsoft.com/office/powerpoint/2010/main" val="1119189123"/>
       </p:ext>
     </p:extLst>
   </p:cSld>
@@ -6726,6 +6811,802 @@
         </p:nvGrpSpPr>
         <p:grpSpPr>
           <a:xfrm>
+            <a:off x="503909" y="2753751"/>
+            <a:ext cx="2867972" cy="1526922"/>
+            <a:chOff x="1285634" y="2021572"/>
+            <a:chExt cx="2867972" cy="1527276"/>
+          </a:xfrm>
+        </p:grpSpPr>
+        <p:sp>
+          <p:nvSpPr>
+            <p:cNvPr id="38" name="TextBox 7"/>
+            <p:cNvSpPr>
+              <a:spLocks noChangeArrowheads="1"/>
+            </p:cNvSpPr>
+            <p:nvPr/>
+          </p:nvSpPr>
+          <p:spPr bwMode="auto">
+            <a:xfrm>
+              <a:off x="1285634" y="2379026"/>
+              <a:ext cx="2867972" cy="1169822"/>
+            </a:xfrm>
+            <a:prstGeom prst="rect">
+              <a:avLst/>
+            </a:prstGeom>
+            <a:noFill/>
+            <a:ln>
+              <a:noFill/>
+            </a:ln>
+            <a:extLst>
+              <a:ext uri="{909E8E84-426E-40DD-AFC4-6F175D3DCCD1}">
+                <a14:hiddenFill xmlns:a14="http://schemas.microsoft.com/office/drawing/2010/main">
+                  <a:solidFill>
+                    <a:srgbClr val="FFFFFF"/>
+                  </a:solidFill>
+                </a14:hiddenFill>
+              </a:ext>
+              <a:ext uri="{91240B29-F687-4F45-9708-019B960494DF}">
+                <a14:hiddenLine xmlns:a14="http://schemas.microsoft.com/office/drawing/2010/main" w="9525">
+                  <a:solidFill>
+                    <a:srgbClr val="000000"/>
+                  </a:solidFill>
+                  <a:miter lim="800000"/>
+                  <a:headEnd/>
+                  <a:tailEnd/>
+                </a14:hiddenLine>
+              </a:ext>
+            </a:extLst>
+          </p:spPr>
+          <p:txBody>
+            <a:bodyPr wrap="square">
+              <a:spAutoFit/>
+            </a:bodyPr>
+            <a:lstStyle/>
+            <a:p>
+              <a:pPr algn="just"/>
+              <a:r>
+                <a:rPr lang="zh-CN" altLang="en-US" sz="1400" dirty="0">
+                  <a:solidFill>
+                    <a:schemeClr val="tx1">
+                      <a:lumMod val="65000"/>
+                      <a:lumOff val="35000"/>
+                    </a:schemeClr>
+                  </a:solidFill>
+                  <a:latin typeface="微软雅黑" panose="020B0503020204020204" pitchFamily="34" charset="-122"/>
+                  <a:ea typeface="微软雅黑" panose="020B0503020204020204" pitchFamily="34" charset="-122"/>
+                </a:rPr>
+                <a:t>学习了</a:t>
+              </a:r>
+              <a:r>
+                <a:rPr lang="en-US" altLang="zh-CN" sz="1400" dirty="0">
+                  <a:solidFill>
+                    <a:schemeClr val="tx1">
+                      <a:lumMod val="65000"/>
+                      <a:lumOff val="35000"/>
+                    </a:schemeClr>
+                  </a:solidFill>
+                  <a:latin typeface="微软雅黑" panose="020B0503020204020204" pitchFamily="34" charset="-122"/>
+                  <a:ea typeface="微软雅黑" panose="020B0503020204020204" pitchFamily="34" charset="-122"/>
+                </a:rPr>
+                <a:t>Spark</a:t>
+              </a:r>
+              <a:r>
+                <a:rPr lang="zh-CN" altLang="en-US" sz="1400" dirty="0">
+                  <a:solidFill>
+                    <a:schemeClr val="tx1">
+                      <a:lumMod val="65000"/>
+                      <a:lumOff val="35000"/>
+                    </a:schemeClr>
+                  </a:solidFill>
+                  <a:latin typeface="微软雅黑" panose="020B0503020204020204" pitchFamily="34" charset="-122"/>
+                  <a:ea typeface="微软雅黑" panose="020B0503020204020204" pitchFamily="34" charset="-122"/>
+                </a:rPr>
+                <a:t>运行的各种模式，包括单机</a:t>
+              </a:r>
+              <a:r>
+                <a:rPr lang="en-US" altLang="zh-CN" sz="1400" dirty="0">
+                  <a:solidFill>
+                    <a:schemeClr val="tx1">
+                      <a:lumMod val="65000"/>
+                      <a:lumOff val="35000"/>
+                    </a:schemeClr>
+                  </a:solidFill>
+                  <a:latin typeface="微软雅黑" panose="020B0503020204020204" pitchFamily="34" charset="-122"/>
+                  <a:ea typeface="微软雅黑" panose="020B0503020204020204" pitchFamily="34" charset="-122"/>
+                </a:rPr>
+                <a:t>local</a:t>
+              </a:r>
+              <a:r>
+                <a:rPr lang="zh-CN" altLang="en-US" sz="1400" dirty="0">
+                  <a:solidFill>
+                    <a:schemeClr val="tx1">
+                      <a:lumMod val="65000"/>
+                      <a:lumOff val="35000"/>
+                    </a:schemeClr>
+                  </a:solidFill>
+                  <a:latin typeface="微软雅黑" panose="020B0503020204020204" pitchFamily="34" charset="-122"/>
+                  <a:ea typeface="微软雅黑" panose="020B0503020204020204" pitchFamily="34" charset="-122"/>
+                </a:rPr>
+                <a:t>、独立</a:t>
+              </a:r>
+              <a:r>
+                <a:rPr lang="en-US" altLang="zh-CN" sz="1400" dirty="0">
+                  <a:solidFill>
+                    <a:schemeClr val="tx1">
+                      <a:lumMod val="65000"/>
+                      <a:lumOff val="35000"/>
+                    </a:schemeClr>
+                  </a:solidFill>
+                  <a:latin typeface="微软雅黑" panose="020B0503020204020204" pitchFamily="34" charset="-122"/>
+                  <a:ea typeface="微软雅黑" panose="020B0503020204020204" pitchFamily="34" charset="-122"/>
+                </a:rPr>
+                <a:t>Spark</a:t>
+              </a:r>
+              <a:r>
+                <a:rPr lang="zh-CN" altLang="en-US" sz="1400" dirty="0">
+                  <a:solidFill>
+                    <a:schemeClr val="tx1">
+                      <a:lumMod val="65000"/>
+                      <a:lumOff val="35000"/>
+                    </a:schemeClr>
+                  </a:solidFill>
+                  <a:latin typeface="微软雅黑" panose="020B0503020204020204" pitchFamily="34" charset="-122"/>
+                  <a:ea typeface="微软雅黑" panose="020B0503020204020204" pitchFamily="34" charset="-122"/>
+                </a:rPr>
+                <a:t>集群</a:t>
+              </a:r>
+              <a:r>
+                <a:rPr lang="en-US" altLang="zh-CN" sz="1400" dirty="0">
+                  <a:solidFill>
+                    <a:schemeClr val="tx1">
+                      <a:lumMod val="65000"/>
+                      <a:lumOff val="35000"/>
+                    </a:schemeClr>
+                  </a:solidFill>
+                  <a:latin typeface="微软雅黑" panose="020B0503020204020204" pitchFamily="34" charset="-122"/>
+                  <a:ea typeface="微软雅黑" panose="020B0503020204020204" pitchFamily="34" charset="-122"/>
+                </a:rPr>
+                <a:t>(Standalone)</a:t>
+              </a:r>
+              <a:r>
+                <a:rPr lang="zh-CN" altLang="en-US" sz="1400" dirty="0">
+                  <a:solidFill>
+                    <a:schemeClr val="tx1">
+                      <a:lumMod val="65000"/>
+                      <a:lumOff val="35000"/>
+                    </a:schemeClr>
+                  </a:solidFill>
+                  <a:latin typeface="微软雅黑" panose="020B0503020204020204" pitchFamily="34" charset="-122"/>
+                  <a:ea typeface="微软雅黑" panose="020B0503020204020204" pitchFamily="34" charset="-122"/>
+                </a:rPr>
+                <a:t>、</a:t>
+              </a:r>
+              <a:r>
+                <a:rPr lang="en-US" altLang="zh-CN" sz="1400" dirty="0" err="1">
+                  <a:solidFill>
+                    <a:schemeClr val="tx1">
+                      <a:lumMod val="65000"/>
+                      <a:lumOff val="35000"/>
+                    </a:schemeClr>
+                  </a:solidFill>
+                  <a:latin typeface="微软雅黑" panose="020B0503020204020204" pitchFamily="34" charset="-122"/>
+                  <a:ea typeface="微软雅黑" panose="020B0503020204020204" pitchFamily="34" charset="-122"/>
+                </a:rPr>
+                <a:t>Spark+Hadoop</a:t>
+              </a:r>
+              <a:r>
+                <a:rPr lang="zh-CN" altLang="en-US" sz="1400" dirty="0">
+                  <a:solidFill>
+                    <a:schemeClr val="tx1">
+                      <a:lumMod val="65000"/>
+                      <a:lumOff val="35000"/>
+                    </a:schemeClr>
+                  </a:solidFill>
+                  <a:latin typeface="微软雅黑" panose="020B0503020204020204" pitchFamily="34" charset="-122"/>
+                  <a:ea typeface="微软雅黑" panose="020B0503020204020204" pitchFamily="34" charset="-122"/>
+                </a:rPr>
+                <a:t>模式</a:t>
+              </a:r>
+              <a:r>
+                <a:rPr lang="en-US" altLang="zh-CN" sz="1400" dirty="0">
+                  <a:solidFill>
+                    <a:schemeClr val="tx1">
+                      <a:lumMod val="65000"/>
+                      <a:lumOff val="35000"/>
+                    </a:schemeClr>
+                  </a:solidFill>
+                  <a:latin typeface="微软雅黑" panose="020B0503020204020204" pitchFamily="34" charset="-122"/>
+                  <a:ea typeface="微软雅黑" panose="020B0503020204020204" pitchFamily="34" charset="-122"/>
+                </a:rPr>
+                <a:t>(On-Yarn</a:t>
+              </a:r>
+              <a:r>
+                <a:rPr lang="zh-CN" altLang="en-US" sz="1400" dirty="0">
+                  <a:solidFill>
+                    <a:schemeClr val="tx1">
+                      <a:lumMod val="65000"/>
+                      <a:lumOff val="35000"/>
+                    </a:schemeClr>
+                  </a:solidFill>
+                  <a:latin typeface="微软雅黑" panose="020B0503020204020204" pitchFamily="34" charset="-122"/>
+                  <a:ea typeface="微软雅黑" panose="020B0503020204020204" pitchFamily="34" charset="-122"/>
+                </a:rPr>
+                <a:t>，主要包括</a:t>
+              </a:r>
+              <a:r>
+                <a:rPr lang="en-US" altLang="zh-CN" sz="1400" dirty="0">
+                  <a:solidFill>
+                    <a:schemeClr val="tx1">
+                      <a:lumMod val="65000"/>
+                      <a:lumOff val="35000"/>
+                    </a:schemeClr>
+                  </a:solidFill>
+                  <a:latin typeface="微软雅黑" panose="020B0503020204020204" pitchFamily="34" charset="-122"/>
+                  <a:ea typeface="微软雅黑" panose="020B0503020204020204" pitchFamily="34" charset="-122"/>
+                </a:rPr>
+                <a:t>yarn-Client</a:t>
+              </a:r>
+              <a:r>
+                <a:rPr lang="zh-CN" altLang="en-US" sz="1400" dirty="0">
+                  <a:solidFill>
+                    <a:schemeClr val="tx1">
+                      <a:lumMod val="65000"/>
+                      <a:lumOff val="35000"/>
+                    </a:schemeClr>
+                  </a:solidFill>
+                  <a:latin typeface="微软雅黑" panose="020B0503020204020204" pitchFamily="34" charset="-122"/>
+                  <a:ea typeface="微软雅黑" panose="020B0503020204020204" pitchFamily="34" charset="-122"/>
+                </a:rPr>
+                <a:t>和</a:t>
+              </a:r>
+              <a:r>
+                <a:rPr lang="en-US" altLang="zh-CN" sz="1400" dirty="0">
+                  <a:solidFill>
+                    <a:schemeClr val="tx1">
+                      <a:lumMod val="65000"/>
+                      <a:lumOff val="35000"/>
+                    </a:schemeClr>
+                  </a:solidFill>
+                  <a:latin typeface="微软雅黑" panose="020B0503020204020204" pitchFamily="34" charset="-122"/>
+                  <a:ea typeface="微软雅黑" panose="020B0503020204020204" pitchFamily="34" charset="-122"/>
+                </a:rPr>
+                <a:t>yarn-Cluster</a:t>
+              </a:r>
+              <a:r>
+                <a:rPr lang="zh-CN" altLang="en-US" sz="1400" dirty="0">
+                  <a:solidFill>
+                    <a:schemeClr val="tx1">
+                      <a:lumMod val="65000"/>
+                      <a:lumOff val="35000"/>
+                    </a:schemeClr>
+                  </a:solidFill>
+                  <a:latin typeface="微软雅黑" panose="020B0503020204020204" pitchFamily="34" charset="-122"/>
+                  <a:ea typeface="微软雅黑" panose="020B0503020204020204" pitchFamily="34" charset="-122"/>
+                </a:rPr>
+                <a:t>）</a:t>
+              </a:r>
+              <a:endParaRPr lang="en-US" altLang="zh-CN" sz="1400" dirty="0">
+                <a:solidFill>
+                  <a:schemeClr val="tx1">
+                    <a:lumMod val="65000"/>
+                    <a:lumOff val="35000"/>
+                  </a:schemeClr>
+                </a:solidFill>
+                <a:latin typeface="微软雅黑" panose="020B0503020204020204" pitchFamily="34" charset="-122"/>
+                <a:ea typeface="微软雅黑" panose="020B0503020204020204" pitchFamily="34" charset="-122"/>
+              </a:endParaRPr>
+            </a:p>
+          </p:txBody>
+        </p:sp>
+        <p:sp>
+          <p:nvSpPr>
+            <p:cNvPr id="39" name="文本框 19"/>
+            <p:cNvSpPr>
+              <a:spLocks noChangeArrowheads="1"/>
+            </p:cNvSpPr>
+            <p:nvPr/>
+          </p:nvSpPr>
+          <p:spPr bwMode="auto">
+            <a:xfrm>
+              <a:off x="1285634" y="2021572"/>
+              <a:ext cx="1941750" cy="400203"/>
+            </a:xfrm>
+            <a:prstGeom prst="rect">
+              <a:avLst/>
+            </a:prstGeom>
+            <a:noFill/>
+            <a:ln>
+              <a:noFill/>
+            </a:ln>
+            <a:extLst>
+              <a:ext uri="{909E8E84-426E-40DD-AFC4-6F175D3DCCD1}">
+                <a14:hiddenFill xmlns:a14="http://schemas.microsoft.com/office/drawing/2010/main">
+                  <a:solidFill>
+                    <a:srgbClr val="FFFFFF"/>
+                  </a:solidFill>
+                </a14:hiddenFill>
+              </a:ext>
+              <a:ext uri="{91240B29-F687-4F45-9708-019B960494DF}">
+                <a14:hiddenLine xmlns:a14="http://schemas.microsoft.com/office/drawing/2010/main" w="9525">
+                  <a:solidFill>
+                    <a:srgbClr val="000000"/>
+                  </a:solidFill>
+                  <a:miter lim="800000"/>
+                  <a:headEnd/>
+                  <a:tailEnd/>
+                </a14:hiddenLine>
+              </a:ext>
+            </a:extLst>
+          </p:spPr>
+          <p:txBody>
+            <a:bodyPr wrap="none">
+              <a:spAutoFit/>
+            </a:bodyPr>
+            <a:lstStyle>
+              <a:lvl1pPr eaLnBrk="0" hangingPunct="0">
+                <a:defRPr>
+                  <a:solidFill>
+                    <a:schemeClr val="tx1"/>
+                  </a:solidFill>
+                  <a:latin typeface="Arial" panose="020B0604020202020204" pitchFamily="34" charset="0"/>
+                  <a:ea typeface="宋体" panose="02010600030101010101" pitchFamily="2" charset="-122"/>
+                </a:defRPr>
+              </a:lvl1pPr>
+              <a:lvl2pPr marL="742950" indent="-285750" eaLnBrk="0" hangingPunct="0">
+                <a:defRPr>
+                  <a:solidFill>
+                    <a:schemeClr val="tx1"/>
+                  </a:solidFill>
+                  <a:latin typeface="Arial" panose="020B0604020202020204" pitchFamily="34" charset="0"/>
+                  <a:ea typeface="宋体" panose="02010600030101010101" pitchFamily="2" charset="-122"/>
+                </a:defRPr>
+              </a:lvl2pPr>
+              <a:lvl3pPr marL="1143000" indent="-228600" eaLnBrk="0" hangingPunct="0">
+                <a:defRPr>
+                  <a:solidFill>
+                    <a:schemeClr val="tx1"/>
+                  </a:solidFill>
+                  <a:latin typeface="Arial" panose="020B0604020202020204" pitchFamily="34" charset="0"/>
+                  <a:ea typeface="宋体" panose="02010600030101010101" pitchFamily="2" charset="-122"/>
+                </a:defRPr>
+              </a:lvl3pPr>
+              <a:lvl4pPr marL="1600200" indent="-228600" eaLnBrk="0" hangingPunct="0">
+                <a:defRPr>
+                  <a:solidFill>
+                    <a:schemeClr val="tx1"/>
+                  </a:solidFill>
+                  <a:latin typeface="Arial" panose="020B0604020202020204" pitchFamily="34" charset="0"/>
+                  <a:ea typeface="宋体" panose="02010600030101010101" pitchFamily="2" charset="-122"/>
+                </a:defRPr>
+              </a:lvl4pPr>
+              <a:lvl5pPr marL="2057400" indent="-228600" eaLnBrk="0" hangingPunct="0">
+                <a:defRPr>
+                  <a:solidFill>
+                    <a:schemeClr val="tx1"/>
+                  </a:solidFill>
+                  <a:latin typeface="Arial" panose="020B0604020202020204" pitchFamily="34" charset="0"/>
+                  <a:ea typeface="宋体" panose="02010600030101010101" pitchFamily="2" charset="-122"/>
+                </a:defRPr>
+              </a:lvl5pPr>
+              <a:lvl6pPr marL="2514600" indent="-228600" eaLnBrk="0" fontAlgn="base" hangingPunct="0">
+                <a:spcBef>
+                  <a:spcPct val="0"/>
+                </a:spcBef>
+                <a:spcAft>
+                  <a:spcPct val="0"/>
+                </a:spcAft>
+                <a:buFont typeface="Arial" panose="020B0604020202020204" pitchFamily="34" charset="0"/>
+                <a:defRPr>
+                  <a:solidFill>
+                    <a:schemeClr val="tx1"/>
+                  </a:solidFill>
+                  <a:latin typeface="Arial" panose="020B0604020202020204" pitchFamily="34" charset="0"/>
+                  <a:ea typeface="宋体" panose="02010600030101010101" pitchFamily="2" charset="-122"/>
+                </a:defRPr>
+              </a:lvl6pPr>
+              <a:lvl7pPr marL="2971800" indent="-228600" eaLnBrk="0" fontAlgn="base" hangingPunct="0">
+                <a:spcBef>
+                  <a:spcPct val="0"/>
+                </a:spcBef>
+                <a:spcAft>
+                  <a:spcPct val="0"/>
+                </a:spcAft>
+                <a:buFont typeface="Arial" panose="020B0604020202020204" pitchFamily="34" charset="0"/>
+                <a:defRPr>
+                  <a:solidFill>
+                    <a:schemeClr val="tx1"/>
+                  </a:solidFill>
+                  <a:latin typeface="Arial" panose="020B0604020202020204" pitchFamily="34" charset="0"/>
+                  <a:ea typeface="宋体" panose="02010600030101010101" pitchFamily="2" charset="-122"/>
+                </a:defRPr>
+              </a:lvl7pPr>
+              <a:lvl8pPr marL="3429000" indent="-228600" eaLnBrk="0" fontAlgn="base" hangingPunct="0">
+                <a:spcBef>
+                  <a:spcPct val="0"/>
+                </a:spcBef>
+                <a:spcAft>
+                  <a:spcPct val="0"/>
+                </a:spcAft>
+                <a:buFont typeface="Arial" panose="020B0604020202020204" pitchFamily="34" charset="0"/>
+                <a:defRPr>
+                  <a:solidFill>
+                    <a:schemeClr val="tx1"/>
+                  </a:solidFill>
+                  <a:latin typeface="Arial" panose="020B0604020202020204" pitchFamily="34" charset="0"/>
+                  <a:ea typeface="宋体" panose="02010600030101010101" pitchFamily="2" charset="-122"/>
+                </a:defRPr>
+              </a:lvl8pPr>
+              <a:lvl9pPr marL="3886200" indent="-228600" eaLnBrk="0" fontAlgn="base" hangingPunct="0">
+                <a:spcBef>
+                  <a:spcPct val="0"/>
+                </a:spcBef>
+                <a:spcAft>
+                  <a:spcPct val="0"/>
+                </a:spcAft>
+                <a:buFont typeface="Arial" panose="020B0604020202020204" pitchFamily="34" charset="0"/>
+                <a:defRPr>
+                  <a:solidFill>
+                    <a:schemeClr val="tx1"/>
+                  </a:solidFill>
+                  <a:latin typeface="Arial" panose="020B0604020202020204" pitchFamily="34" charset="0"/>
+                  <a:ea typeface="宋体" panose="02010600030101010101" pitchFamily="2" charset="-122"/>
+                </a:defRPr>
+              </a:lvl9pPr>
+            </a:lstStyle>
+            <a:p>
+              <a:pPr eaLnBrk="1" hangingPunct="1"/>
+              <a:r>
+                <a:rPr lang="en-US" altLang="zh-CN" sz="2000" b="1" dirty="0">
+                  <a:solidFill>
+                    <a:schemeClr val="tx1">
+                      <a:lumMod val="65000"/>
+                      <a:lumOff val="35000"/>
+                    </a:schemeClr>
+                  </a:solidFill>
+                  <a:latin typeface="微软雅黑" panose="020B0503020204020204" pitchFamily="34" charset="-122"/>
+                  <a:ea typeface="微软雅黑" panose="020B0503020204020204" pitchFamily="34" charset="-122"/>
+                  <a:cs typeface="Calibri" panose="020F0502020204030204" pitchFamily="34" charset="0"/>
+                  <a:sym typeface="Calibri" panose="020F0502020204030204" pitchFamily="34" charset="0"/>
+                </a:rPr>
+                <a:t>Spark</a:t>
+              </a:r>
+              <a:r>
+                <a:rPr lang="zh-CN" altLang="en-US" sz="2000" b="1" dirty="0">
+                  <a:solidFill>
+                    <a:schemeClr val="tx1">
+                      <a:lumMod val="65000"/>
+                      <a:lumOff val="35000"/>
+                    </a:schemeClr>
+                  </a:solidFill>
+                  <a:latin typeface="微软雅黑" panose="020B0503020204020204" pitchFamily="34" charset="-122"/>
+                  <a:ea typeface="微软雅黑" panose="020B0503020204020204" pitchFamily="34" charset="-122"/>
+                  <a:cs typeface="Calibri" panose="020F0502020204030204" pitchFamily="34" charset="0"/>
+                  <a:sym typeface="Calibri" panose="020F0502020204030204" pitchFamily="34" charset="0"/>
+                </a:rPr>
+                <a:t>运行模式</a:t>
+              </a:r>
+              <a:endParaRPr lang="en-US" altLang="zh-CN" sz="1200" b="1" dirty="0">
+                <a:solidFill>
+                  <a:schemeClr val="tx1">
+                    <a:lumMod val="65000"/>
+                    <a:lumOff val="35000"/>
+                  </a:schemeClr>
+                </a:solidFill>
+                <a:latin typeface="微软雅黑" panose="020B0503020204020204" pitchFamily="34" charset="-122"/>
+                <a:ea typeface="微软雅黑" panose="020B0503020204020204" pitchFamily="34" charset="-122"/>
+                <a:cs typeface="Calibri" panose="020F0502020204030204" pitchFamily="34" charset="0"/>
+                <a:sym typeface="Calibri" panose="020F0502020204030204" pitchFamily="34" charset="0"/>
+              </a:endParaRPr>
+            </a:p>
+          </p:txBody>
+        </p:sp>
+      </p:grpSp>
+      <p:grpSp>
+        <p:nvGrpSpPr>
+          <p:cNvPr id="64" name="组合 63"/>
+          <p:cNvGrpSpPr/>
+          <p:nvPr/>
+        </p:nvGrpSpPr>
+        <p:grpSpPr>
+          <a:xfrm>
+            <a:off x="-2037" y="-12668"/>
+            <a:ext cx="12194037" cy="733182"/>
+            <a:chOff x="-2037" y="-12668"/>
+            <a:chExt cx="12194037" cy="733182"/>
+          </a:xfrm>
+        </p:grpSpPr>
+        <p:pic>
+          <p:nvPicPr>
+            <p:cNvPr id="58" name="图片 57"/>
+            <p:cNvPicPr>
+              <a:picLocks noChangeAspect="1"/>
+            </p:cNvPicPr>
+            <p:nvPr/>
+          </p:nvPicPr>
+          <p:blipFill rotWithShape="1">
+            <a:blip r:embed="rId3">
+              <a:extLst>
+                <a:ext uri="{28A0092B-C50C-407E-A947-70E740481C1C}">
+                  <a14:useLocalDpi xmlns:a14="http://schemas.microsoft.com/office/drawing/2010/main" val="0"/>
+                </a:ext>
+              </a:extLst>
+            </a:blip>
+            <a:srcRect l="701" t="83726" r="4360" b="7711"/>
+            <a:stretch/>
+          </p:blipFill>
+          <p:spPr>
+            <a:xfrm>
+              <a:off x="-2037" y="-12668"/>
+              <a:ext cx="12194037" cy="733182"/>
+            </a:xfrm>
+            <a:prstGeom prst="rect">
+              <a:avLst/>
+            </a:prstGeom>
+          </p:spPr>
+        </p:pic>
+        <p:grpSp>
+          <p:nvGrpSpPr>
+            <p:cNvPr id="59" name="组合 58"/>
+            <p:cNvGrpSpPr/>
+            <p:nvPr/>
+          </p:nvGrpSpPr>
+          <p:grpSpPr>
+            <a:xfrm>
+              <a:off x="243261" y="36283"/>
+              <a:ext cx="2940485" cy="646331"/>
+              <a:chOff x="7409549" y="2061765"/>
+              <a:chExt cx="2940485" cy="646331"/>
+            </a:xfrm>
+          </p:grpSpPr>
+          <p:sp>
+            <p:nvSpPr>
+              <p:cNvPr id="60" name="文本框 59"/>
+              <p:cNvSpPr txBox="1"/>
+              <p:nvPr/>
+            </p:nvSpPr>
+            <p:spPr>
+              <a:xfrm>
+                <a:off x="7930846" y="2198872"/>
+                <a:ext cx="2419188" cy="369332"/>
+              </a:xfrm>
+              <a:prstGeom prst="rect">
+                <a:avLst/>
+              </a:prstGeom>
+              <a:noFill/>
+            </p:spPr>
+            <p:txBody>
+              <a:bodyPr wrap="none" rtlCol="0">
+                <a:spAutoFit/>
+              </a:bodyPr>
+              <a:lstStyle/>
+              <a:p>
+                <a:r>
+                  <a:rPr lang="en-US" altLang="zh-CN" dirty="0">
+                    <a:solidFill>
+                      <a:schemeClr val="tx1">
+                        <a:lumMod val="75000"/>
+                        <a:lumOff val="25000"/>
+                      </a:schemeClr>
+                    </a:solidFill>
+                    <a:latin typeface="微软雅黑" panose="020B0503020204020204" pitchFamily="34" charset="-122"/>
+                    <a:ea typeface="微软雅黑" panose="020B0503020204020204" pitchFamily="34" charset="-122"/>
+                  </a:rPr>
+                  <a:t>Spark</a:t>
+                </a:r>
+                <a:r>
+                  <a:rPr lang="zh-CN" altLang="en-US" dirty="0">
+                    <a:solidFill>
+                      <a:schemeClr val="tx1">
+                        <a:lumMod val="75000"/>
+                        <a:lumOff val="25000"/>
+                      </a:schemeClr>
+                    </a:solidFill>
+                    <a:latin typeface="微软雅黑" panose="020B0503020204020204" pitchFamily="34" charset="-122"/>
+                    <a:ea typeface="微软雅黑" panose="020B0503020204020204" pitchFamily="34" charset="-122"/>
+                  </a:rPr>
+                  <a:t>集群搭建与学习</a:t>
+                </a:r>
+              </a:p>
+            </p:txBody>
+          </p:sp>
+          <p:sp>
+            <p:nvSpPr>
+              <p:cNvPr id="63" name="矩形 62"/>
+              <p:cNvSpPr/>
+              <p:nvPr/>
+            </p:nvSpPr>
+            <p:spPr>
+              <a:xfrm>
+                <a:off x="7409549" y="2061765"/>
+                <a:ext cx="521297" cy="646331"/>
+              </a:xfrm>
+              <a:prstGeom prst="rect">
+                <a:avLst/>
+              </a:prstGeom>
+            </p:spPr>
+            <p:txBody>
+              <a:bodyPr wrap="none">
+                <a:spAutoFit/>
+              </a:bodyPr>
+              <a:lstStyle/>
+              <a:p>
+                <a:r>
+                  <a:rPr lang="en-US" altLang="zh-CN" sz="3600" dirty="0">
+                    <a:latin typeface="Tw Cen MT Condensed" panose="020B0606020104020203" pitchFamily="34" charset="0"/>
+                  </a:rPr>
+                  <a:t>02</a:t>
+                </a:r>
+              </a:p>
+            </p:txBody>
+          </p:sp>
+        </p:grpSp>
+      </p:grpSp>
+      <p:pic>
+        <p:nvPicPr>
+          <p:cNvPr id="2" name="图片 1">
+            <a:extLst>
+              <a:ext uri="{FF2B5EF4-FFF2-40B4-BE49-F238E27FC236}">
+                <a16:creationId xmlns:a16="http://schemas.microsoft.com/office/drawing/2014/main" id="{0B67E0B5-D3FA-4ACF-B132-CFC6D44C56BE}"/>
+              </a:ext>
+            </a:extLst>
+          </p:cNvPr>
+          <p:cNvPicPr>
+            <a:picLocks noChangeAspect="1"/>
+          </p:cNvPicPr>
+          <p:nvPr/>
+        </p:nvPicPr>
+        <p:blipFill>
+          <a:blip r:embed="rId4"/>
+          <a:stretch>
+            <a:fillRect/>
+          </a:stretch>
+        </p:blipFill>
+        <p:spPr>
+          <a:xfrm>
+            <a:off x="4671689" y="1311008"/>
+            <a:ext cx="5835015" cy="4565436"/>
+          </a:xfrm>
+          <a:prstGeom prst="rect">
+            <a:avLst/>
+          </a:prstGeom>
+        </p:spPr>
+      </p:pic>
+    </p:spTree>
+    <p:extLst>
+      <p:ext uri="{BB962C8B-B14F-4D97-AF65-F5344CB8AC3E}">
+        <p14:creationId xmlns:p14="http://schemas.microsoft.com/office/powerpoint/2010/main" val="4200131218"/>
+      </p:ext>
+    </p:extLst>
+  </p:cSld>
+  <p:clrMapOvr>
+    <a:masterClrMapping/>
+  </p:clrMapOvr>
+  <mc:AlternateContent xmlns:mc="http://schemas.openxmlformats.org/markup-compatibility/2006" xmlns:p14="http://schemas.microsoft.com/office/powerpoint/2010/main">
+    <mc:Choice Requires="p14">
+      <p:transition spd="slow" p14:dur="1500">
+        <p:random/>
+      </p:transition>
+    </mc:Choice>
+    <mc:Fallback xmlns="">
+      <p:transition spd="slow">
+        <p:random/>
+      </p:transition>
+    </mc:Fallback>
+  </mc:AlternateContent>
+  <p:timing>
+    <p:tnLst>
+      <p:par>
+        <p:cTn id="1" dur="indefinite" restart="never" nodeType="tmRoot">
+          <p:childTnLst>
+            <p:seq concurrent="1" nextAc="seek">
+              <p:cTn id="2" dur="indefinite" nodeType="mainSeq">
+                <p:childTnLst>
+                  <p:par>
+                    <p:cTn id="3" fill="hold">
+                      <p:stCondLst>
+                        <p:cond delay="indefinite"/>
+                        <p:cond evt="onBegin" delay="0">
+                          <p:tn val="2"/>
+                        </p:cond>
+                      </p:stCondLst>
+                      <p:childTnLst>
+                        <p:par>
+                          <p:cTn id="4" fill="hold">
+                            <p:stCondLst>
+                              <p:cond delay="0"/>
+                            </p:stCondLst>
+                            <p:childTnLst>
+                              <p:par>
+                                <p:cTn id="5" presetID="22" presetClass="entr" presetSubtype="1" fill="hold" nodeType="afterEffect">
+                                  <p:stCondLst>
+                                    <p:cond delay="0"/>
+                                  </p:stCondLst>
+                                  <p:childTnLst>
+                                    <p:set>
+                                      <p:cBhvr>
+                                        <p:cTn id="6" dur="1" fill="hold">
+                                          <p:stCondLst>
+                                            <p:cond delay="0"/>
+                                          </p:stCondLst>
+                                        </p:cTn>
+                                        <p:tgtEl>
+                                          <p:spTgt spid="37"/>
+                                        </p:tgtEl>
+                                        <p:attrNameLst>
+                                          <p:attrName>style.visibility</p:attrName>
+                                        </p:attrNameLst>
+                                      </p:cBhvr>
+                                      <p:to>
+                                        <p:strVal val="visible"/>
+                                      </p:to>
+                                    </p:set>
+                                    <p:animEffect transition="in" filter="wipe(up)">
+                                      <p:cBhvr>
+                                        <p:cTn id="7" dur="500"/>
+                                        <p:tgtEl>
+                                          <p:spTgt spid="37"/>
+                                        </p:tgtEl>
+                                      </p:cBhvr>
+                                    </p:animEffect>
+                                  </p:childTnLst>
+                                </p:cTn>
+                              </p:par>
+                            </p:childTnLst>
+                          </p:cTn>
+                        </p:par>
+                      </p:childTnLst>
+                    </p:cTn>
+                  </p:par>
+                </p:childTnLst>
+              </p:cTn>
+              <p:prevCondLst>
+                <p:cond evt="onPrev" delay="0">
+                  <p:tgtEl>
+                    <p:sldTgt/>
+                  </p:tgtEl>
+                </p:cond>
+              </p:prevCondLst>
+              <p:nextCondLst>
+                <p:cond evt="onNext" delay="0">
+                  <p:tgtEl>
+                    <p:sldTgt/>
+                  </p:tgtEl>
+                </p:cond>
+              </p:nextCondLst>
+            </p:seq>
+          </p:childTnLst>
+        </p:cTn>
+      </p:par>
+    </p:tnLst>
+  </p:timing>
+</p:sld>
+</file>
+
+<file path=ppt/slides/slide11.xml><?xml version="1.0" encoding="utf-8"?>
+<p:sld xmlns:a="http://schemas.openxmlformats.org/drawingml/2006/main" xmlns:r="http://schemas.openxmlformats.org/officeDocument/2006/relationships" xmlns:p="http://schemas.openxmlformats.org/presentationml/2006/main">
+  <p:cSld>
+    <p:spTree>
+      <p:nvGrpSpPr>
+        <p:cNvPr id="1" name=""/>
+        <p:cNvGrpSpPr/>
+        <p:nvPr/>
+      </p:nvGrpSpPr>
+      <p:grpSpPr>
+        <a:xfrm>
+          <a:off x="0" y="0"/>
+          <a:ext cx="0" cy="0"/>
+          <a:chOff x="0" y="0"/>
+          <a:chExt cx="0" cy="0"/>
+        </a:xfrm>
+      </p:grpSpPr>
+      <p:grpSp>
+        <p:nvGrpSpPr>
+          <p:cNvPr id="37" name="组合 36"/>
+          <p:cNvGrpSpPr/>
+          <p:nvPr/>
+        </p:nvGrpSpPr>
+        <p:grpSpPr>
+          <a:xfrm>
             <a:off x="438568" y="3036741"/>
             <a:ext cx="2867972" cy="880591"/>
             <a:chOff x="1285634" y="2021572"/>
@@ -7300,7 +8181,7 @@
 </p:sld>
 </file>
 
-<file path=ppt/slides/slide11.xml><?xml version="1.0" encoding="utf-8"?>
+<file path=ppt/slides/slide12.xml><?xml version="1.0" encoding="utf-8"?>
 <p:sld xmlns:a="http://schemas.openxmlformats.org/drawingml/2006/main" xmlns:r="http://schemas.openxmlformats.org/officeDocument/2006/relationships" xmlns:p="http://schemas.openxmlformats.org/presentationml/2006/main">
   <p:cSld>
     <p:spTree>
@@ -8048,7 +8929,7 @@
 </p:sld>
 </file>
 
-<file path=ppt/slides/slide12.xml><?xml version="1.0" encoding="utf-8"?>
+<file path=ppt/slides/slide13.xml><?xml version="1.0" encoding="utf-8"?>
 <p:sld xmlns:a="http://schemas.openxmlformats.org/drawingml/2006/main" xmlns:r="http://schemas.openxmlformats.org/officeDocument/2006/relationships" xmlns:p="http://schemas.openxmlformats.org/presentationml/2006/main">
   <p:cSld>
     <p:spTree>
@@ -8329,7 +9210,7 @@
 </p:sld>
 </file>
 
-<file path=ppt/slides/slide13.xml><?xml version="1.0" encoding="utf-8"?>
+<file path=ppt/slides/slide14.xml><?xml version="1.0" encoding="utf-8"?>
 <p:sld xmlns:a="http://schemas.openxmlformats.org/drawingml/2006/main" xmlns:r="http://schemas.openxmlformats.org/officeDocument/2006/relationships" xmlns:p="http://schemas.openxmlformats.org/presentationml/2006/main">
   <p:cSld>
     <p:spTree>
@@ -8648,7 +9529,7 @@
 </p:sld>
 </file>
 
-<file path=ppt/slides/slide14.xml><?xml version="1.0" encoding="utf-8"?>
+<file path=ppt/slides/slide15.xml><?xml version="1.0" encoding="utf-8"?>
 <p:sld xmlns:a="http://schemas.openxmlformats.org/drawingml/2006/main" xmlns:r="http://schemas.openxmlformats.org/officeDocument/2006/relationships" xmlns:p="http://schemas.openxmlformats.org/presentationml/2006/main">
   <p:cSld>
     <p:spTree>
@@ -9024,7 +9905,7 @@
 </p:sld>
 </file>
 
-<file path=ppt/slides/slide15.xml><?xml version="1.0" encoding="utf-8"?>
+<file path=ppt/slides/slide16.xml><?xml version="1.0" encoding="utf-8"?>
 <p:sld xmlns:a="http://schemas.openxmlformats.org/drawingml/2006/main" xmlns:r="http://schemas.openxmlformats.org/officeDocument/2006/relationships" xmlns:p="http://schemas.openxmlformats.org/presentationml/2006/main">
   <p:cSld>
     <p:spTree>
@@ -9427,7 +10308,7 @@
 </p:sld>
 </file>
 
-<file path=ppt/slides/slide16.xml><?xml version="1.0" encoding="utf-8"?>
+<file path=ppt/slides/slide17.xml><?xml version="1.0" encoding="utf-8"?>
 <p:sld xmlns:a="http://schemas.openxmlformats.org/drawingml/2006/main" xmlns:r="http://schemas.openxmlformats.org/officeDocument/2006/relationships" xmlns:p="http://schemas.openxmlformats.org/presentationml/2006/main">
   <p:cSld>
     <p:spTree>
@@ -9841,7 +10722,7 @@
 </p:sld>
 </file>
 
-<file path=ppt/slides/slide17.xml><?xml version="1.0" encoding="utf-8"?>
+<file path=ppt/slides/slide18.xml><?xml version="1.0" encoding="utf-8"?>
 <p:sld xmlns:a="http://schemas.openxmlformats.org/drawingml/2006/main" xmlns:r="http://schemas.openxmlformats.org/officeDocument/2006/relationships" xmlns:p="http://schemas.openxmlformats.org/presentationml/2006/main">
   <p:cSld>
     <p:spTree>
@@ -9990,7 +10871,7 @@
 </p:sld>
 </file>
 
-<file path=ppt/slides/slide18.xml><?xml version="1.0" encoding="utf-8"?>
+<file path=ppt/slides/slide19.xml><?xml version="1.0" encoding="utf-8"?>
 <p:sld xmlns:a="http://schemas.openxmlformats.org/drawingml/2006/main" xmlns:r="http://schemas.openxmlformats.org/officeDocument/2006/relationships" xmlns:p="http://schemas.openxmlformats.org/presentationml/2006/main">
   <p:cSld>
     <p:spTree>
@@ -10268,419 +11149,6 @@
       </p:par>
     </p:tnLst>
   </p:timing>
-</p:sld>
-</file>
-
-<file path=ppt/slides/slide19.xml><?xml version="1.0" encoding="utf-8"?>
-<p:sld xmlns:a="http://schemas.openxmlformats.org/drawingml/2006/main" xmlns:r="http://schemas.openxmlformats.org/officeDocument/2006/relationships" xmlns:p="http://schemas.openxmlformats.org/presentationml/2006/main">
-  <p:cSld>
-    <p:spTree>
-      <p:nvGrpSpPr>
-        <p:cNvPr id="1" name=""/>
-        <p:cNvGrpSpPr/>
-        <p:nvPr/>
-      </p:nvGrpSpPr>
-      <p:grpSpPr>
-        <a:xfrm>
-          <a:off x="0" y="0"/>
-          <a:ext cx="0" cy="0"/>
-          <a:chOff x="0" y="0"/>
-          <a:chExt cx="0" cy="0"/>
-        </a:xfrm>
-      </p:grpSpPr>
-      <p:pic>
-        <p:nvPicPr>
-          <p:cNvPr id="12" name="图片 11"/>
-          <p:cNvPicPr>
-            <a:picLocks noChangeAspect="1"/>
-          </p:cNvPicPr>
-          <p:nvPr/>
-        </p:nvPicPr>
-        <p:blipFill>
-          <a:blip r:embed="rId3">
-            <a:duotone>
-              <a:schemeClr val="accent1">
-                <a:shade val="45000"/>
-                <a:satMod val="135000"/>
-              </a:schemeClr>
-              <a:prstClr val="white"/>
-            </a:duotone>
-            <a:extLst>
-              <a:ext uri="{28A0092B-C50C-407E-A947-70E740481C1C}">
-                <a14:useLocalDpi xmlns:a14="http://schemas.microsoft.com/office/drawing/2010/main" val="0"/>
-              </a:ext>
-            </a:extLst>
-          </a:blip>
-          <a:stretch>
-            <a:fillRect/>
-          </a:stretch>
-        </p:blipFill>
-        <p:spPr>
-          <a:xfrm>
-            <a:off x="5711300" y="1820929"/>
-            <a:ext cx="7539556" cy="6215628"/>
-          </a:xfrm>
-          <a:prstGeom prst="rect">
-            <a:avLst/>
-          </a:prstGeom>
-        </p:spPr>
-      </p:pic>
-      <p:sp>
-        <p:nvSpPr>
-          <p:cNvPr id="2" name="文本框 1">
-            <a:extLst>
-              <a:ext uri="{FF2B5EF4-FFF2-40B4-BE49-F238E27FC236}">
-                <a16:creationId xmlns:a16="http://schemas.microsoft.com/office/drawing/2014/main" id="{3B0A10D3-D126-4A24-90AE-6912B423F91E}"/>
-              </a:ext>
-            </a:extLst>
-          </p:cNvPr>
-          <p:cNvSpPr txBox="1"/>
-          <p:nvPr/>
-        </p:nvSpPr>
-        <p:spPr>
-          <a:xfrm>
-            <a:off x="1491449" y="719091"/>
-            <a:ext cx="6098959" cy="2308324"/>
-          </a:xfrm>
-          <a:prstGeom prst="rect">
-            <a:avLst/>
-          </a:prstGeom>
-          <a:noFill/>
-        </p:spPr>
-        <p:txBody>
-          <a:bodyPr wrap="square" rtlCol="0">
-            <a:spAutoFit/>
-          </a:bodyPr>
-          <a:lstStyle/>
-          <a:p>
-            <a:r>
-              <a:rPr lang="zh-CN" altLang="en-US" dirty="0"/>
-              <a:t>迭代次数与</a:t>
-            </a:r>
-            <a:r>
-              <a:rPr lang="en-US" altLang="zh-CN" dirty="0"/>
-              <a:t>loss</a:t>
-            </a:r>
-            <a:r>
-              <a:rPr lang="zh-CN" altLang="en-US" dirty="0"/>
-              <a:t>值</a:t>
-            </a:r>
-            <a:endParaRPr lang="en-US" altLang="zh-CN" dirty="0"/>
-          </a:p>
-          <a:p>
-            <a:r>
-              <a:rPr lang="en-US" altLang="zh-CN" dirty="0"/>
-              <a:t>	</a:t>
-            </a:r>
-            <a:r>
-              <a:rPr lang="zh-CN" altLang="en-US" dirty="0"/>
-              <a:t>在进行模型建模时，迭代次数越高，</a:t>
-            </a:r>
-            <a:r>
-              <a:rPr lang="en-US" altLang="zh-CN" dirty="0"/>
-              <a:t>loss</a:t>
-            </a:r>
-            <a:r>
-              <a:rPr lang="zh-CN" altLang="en-US" dirty="0"/>
-              <a:t>值越低，预测结果也就越好。但是，迭代</a:t>
-            </a:r>
-            <a:r>
-              <a:rPr lang="en-US" altLang="zh-CN" dirty="0"/>
-              <a:t>1</a:t>
-            </a:r>
-            <a:r>
-              <a:rPr lang="zh-CN" altLang="en-US" dirty="0"/>
-              <a:t>次的时间与数据的量成正相关的。当面对</a:t>
-            </a:r>
-            <a:r>
-              <a:rPr lang="en-US" altLang="zh-CN" dirty="0"/>
-              <a:t>20</a:t>
-            </a:r>
-            <a:r>
-              <a:rPr lang="zh-CN" altLang="en-US" dirty="0"/>
-              <a:t>个数据时，</a:t>
-            </a:r>
-            <a:r>
-              <a:rPr lang="en-US" altLang="zh-CN" dirty="0"/>
-              <a:t>1000</a:t>
-            </a:r>
-            <a:r>
-              <a:rPr lang="zh-CN" altLang="en-US" dirty="0"/>
-              <a:t>次迭代差不多</a:t>
-            </a:r>
-            <a:r>
-              <a:rPr lang="en-US" altLang="zh-CN" dirty="0"/>
-              <a:t>10s</a:t>
-            </a:r>
-            <a:r>
-              <a:rPr lang="zh-CN" altLang="en-US" dirty="0"/>
-              <a:t>就完成了，也就是很快。但是，当面对</a:t>
-            </a:r>
-            <a:r>
-              <a:rPr lang="en-US" altLang="zh-CN" dirty="0"/>
-              <a:t>1w4</a:t>
-            </a:r>
-            <a:r>
-              <a:rPr lang="zh-CN" altLang="en-US" dirty="0"/>
-              <a:t>个数据时，光迭代一次，就需要大约</a:t>
-            </a:r>
-            <a:r>
-              <a:rPr lang="en-US" altLang="zh-CN" dirty="0"/>
-              <a:t>30s</a:t>
-            </a:r>
-            <a:r>
-              <a:rPr lang="zh-CN" altLang="en-US" dirty="0"/>
-              <a:t>的时间。</a:t>
-            </a:r>
-            <a:endParaRPr lang="en-US" altLang="zh-CN" dirty="0"/>
-          </a:p>
-          <a:p>
-            <a:r>
-              <a:rPr lang="en-US" altLang="zh-CN" dirty="0"/>
-              <a:t>	</a:t>
-            </a:r>
-            <a:r>
-              <a:rPr lang="zh-CN" altLang="en-US" dirty="0"/>
-              <a:t>下面是对</a:t>
-            </a:r>
-            <a:r>
-              <a:rPr lang="en-US" altLang="zh-CN" dirty="0"/>
-              <a:t>20</a:t>
-            </a:r>
-            <a:r>
-              <a:rPr lang="zh-CN" altLang="en-US" dirty="0"/>
-              <a:t>个显而易见的测试数据进行</a:t>
-            </a:r>
-            <a:r>
-              <a:rPr lang="en-US" altLang="zh-CN" dirty="0"/>
-              <a:t>1000</a:t>
-            </a:r>
-            <a:r>
-              <a:rPr lang="zh-CN" altLang="en-US" dirty="0"/>
-              <a:t>次迭代的截图，其中展示了</a:t>
-            </a:r>
-            <a:r>
-              <a:rPr lang="en-US" altLang="zh-CN" dirty="0"/>
-              <a:t>loss</a:t>
-            </a:r>
-            <a:r>
-              <a:rPr lang="zh-CN" altLang="en-US" dirty="0"/>
-              <a:t>值和预测结果。</a:t>
-            </a:r>
-          </a:p>
-        </p:txBody>
-      </p:sp>
-      <p:pic>
-        <p:nvPicPr>
-          <p:cNvPr id="4" name="图片 3">
-            <a:extLst>
-              <a:ext uri="{FF2B5EF4-FFF2-40B4-BE49-F238E27FC236}">
-                <a16:creationId xmlns:a16="http://schemas.microsoft.com/office/drawing/2014/main" id="{AD1CC732-B4B4-40A3-AC42-9952601E3AF1}"/>
-              </a:ext>
-            </a:extLst>
-          </p:cNvPr>
-          <p:cNvPicPr>
-            <a:picLocks noChangeAspect="1"/>
-          </p:cNvPicPr>
-          <p:nvPr/>
-        </p:nvPicPr>
-        <p:blipFill>
-          <a:blip r:embed="rId4">
-            <a:extLst>
-              <a:ext uri="{28A0092B-C50C-407E-A947-70E740481C1C}">
-                <a14:useLocalDpi xmlns:a14="http://schemas.microsoft.com/office/drawing/2010/main" val="0"/>
-              </a:ext>
-            </a:extLst>
-          </a:blip>
-          <a:stretch>
-            <a:fillRect/>
-          </a:stretch>
-        </p:blipFill>
-        <p:spPr>
-          <a:xfrm>
-            <a:off x="393076" y="3131793"/>
-            <a:ext cx="11174527" cy="517585"/>
-          </a:xfrm>
-          <a:prstGeom prst="rect">
-            <a:avLst/>
-          </a:prstGeom>
-        </p:spPr>
-      </p:pic>
-      <p:pic>
-        <p:nvPicPr>
-          <p:cNvPr id="7" name="图片 6">
-            <a:extLst>
-              <a:ext uri="{FF2B5EF4-FFF2-40B4-BE49-F238E27FC236}">
-                <a16:creationId xmlns:a16="http://schemas.microsoft.com/office/drawing/2014/main" id="{AC62E7DD-3482-44D4-8DF7-4D3CECDDFA45}"/>
-              </a:ext>
-            </a:extLst>
-          </p:cNvPr>
-          <p:cNvPicPr>
-            <a:picLocks noChangeAspect="1"/>
-          </p:cNvPicPr>
-          <p:nvPr/>
-        </p:nvPicPr>
-        <p:blipFill>
-          <a:blip r:embed="rId5">
-            <a:extLst>
-              <a:ext uri="{28A0092B-C50C-407E-A947-70E740481C1C}">
-                <a14:useLocalDpi xmlns:a14="http://schemas.microsoft.com/office/drawing/2010/main" val="0"/>
-              </a:ext>
-            </a:extLst>
-          </a:blip>
-          <a:stretch>
-            <a:fillRect/>
-          </a:stretch>
-        </p:blipFill>
-        <p:spPr>
-          <a:xfrm>
-            <a:off x="3250117" y="3753756"/>
-            <a:ext cx="3010475" cy="2596189"/>
-          </a:xfrm>
-          <a:prstGeom prst="rect">
-            <a:avLst/>
-          </a:prstGeom>
-        </p:spPr>
-      </p:pic>
-      <p:pic>
-        <p:nvPicPr>
-          <p:cNvPr id="9" name="图片 8">
-            <a:extLst>
-              <a:ext uri="{FF2B5EF4-FFF2-40B4-BE49-F238E27FC236}">
-                <a16:creationId xmlns:a16="http://schemas.microsoft.com/office/drawing/2014/main" id="{C234B30B-77F1-4A99-AC1E-4B80D4FC5B93}"/>
-              </a:ext>
-            </a:extLst>
-          </p:cNvPr>
-          <p:cNvPicPr>
-            <a:picLocks noChangeAspect="1"/>
-          </p:cNvPicPr>
-          <p:nvPr/>
-        </p:nvPicPr>
-        <p:blipFill rotWithShape="1">
-          <a:blip r:embed="rId6">
-            <a:extLst>
-              <a:ext uri="{28A0092B-C50C-407E-A947-70E740481C1C}">
-                <a14:useLocalDpi xmlns:a14="http://schemas.microsoft.com/office/drawing/2010/main" val="0"/>
-              </a:ext>
-            </a:extLst>
-          </a:blip>
-          <a:srcRect r="4330" b="49610"/>
-          <a:stretch/>
-        </p:blipFill>
-        <p:spPr>
-          <a:xfrm>
-            <a:off x="393076" y="3649378"/>
-            <a:ext cx="2749541" cy="2852055"/>
-          </a:xfrm>
-          <a:prstGeom prst="rect">
-            <a:avLst/>
-          </a:prstGeom>
-        </p:spPr>
-      </p:pic>
-      <p:sp>
-        <p:nvSpPr>
-          <p:cNvPr id="11" name="文本框 10">
-            <a:extLst>
-              <a:ext uri="{FF2B5EF4-FFF2-40B4-BE49-F238E27FC236}">
-                <a16:creationId xmlns:a16="http://schemas.microsoft.com/office/drawing/2014/main" id="{A913CBA4-EA76-45FB-A768-083ED7EABBC4}"/>
-              </a:ext>
-            </a:extLst>
-          </p:cNvPr>
-          <p:cNvSpPr txBox="1"/>
-          <p:nvPr/>
-        </p:nvSpPr>
-        <p:spPr>
-          <a:xfrm>
-            <a:off x="6096000" y="3882176"/>
-            <a:ext cx="5067315" cy="2677656"/>
-          </a:xfrm>
-          <a:prstGeom prst="rect">
-            <a:avLst/>
-          </a:prstGeom>
-          <a:noFill/>
-        </p:spPr>
-        <p:txBody>
-          <a:bodyPr wrap="square" rtlCol="0">
-            <a:spAutoFit/>
-          </a:bodyPr>
-          <a:lstStyle/>
-          <a:p>
-            <a:r>
-              <a:rPr lang="en-US" altLang="zh-CN" sz="2400" b="1" dirty="0"/>
-              <a:t>	</a:t>
-            </a:r>
-            <a:r>
-              <a:rPr lang="zh-CN" altLang="en-US" sz="2400" b="1" dirty="0"/>
-              <a:t>我们可以很清晰的看出来，迭代</a:t>
-            </a:r>
-            <a:r>
-              <a:rPr lang="en-US" altLang="zh-CN" sz="2400" b="1" dirty="0"/>
-              <a:t>1000</a:t>
-            </a:r>
-            <a:r>
-              <a:rPr lang="zh-CN" altLang="en-US" sz="2400" b="1" dirty="0"/>
-              <a:t>次，每迭代一次，</a:t>
-            </a:r>
-            <a:r>
-              <a:rPr lang="en-US" altLang="zh-CN" sz="2400" b="1" dirty="0"/>
-              <a:t>loss</a:t>
-            </a:r>
-            <a:r>
-              <a:rPr lang="zh-CN" altLang="en-US" sz="2400" b="1" dirty="0"/>
-              <a:t>值会减少一些。而迭代一次的时间，由于时间太短，显示出来的是</a:t>
-            </a:r>
-            <a:r>
-              <a:rPr lang="en-US" altLang="zh-CN" sz="2400" b="1" dirty="0"/>
-              <a:t>0s</a:t>
-            </a:r>
-            <a:r>
-              <a:rPr lang="zh-CN" altLang="en-US" sz="2400" b="1" dirty="0"/>
-              <a:t>。</a:t>
-            </a:r>
-            <a:endParaRPr lang="en-US" altLang="zh-CN" sz="2400" b="1" dirty="0"/>
-          </a:p>
-          <a:p>
-            <a:r>
-              <a:rPr lang="en-US" altLang="zh-CN" sz="2400" b="1" dirty="0"/>
-              <a:t>	</a:t>
-            </a:r>
-            <a:r>
-              <a:rPr lang="zh-CN" altLang="en-US" sz="2400" b="1" dirty="0"/>
-              <a:t>右图为预测的未来的七个数据，可以看出来，在迭代</a:t>
-            </a:r>
-            <a:r>
-              <a:rPr lang="en-US" altLang="zh-CN" sz="2400" b="1" dirty="0"/>
-              <a:t>1000</a:t>
-            </a:r>
-            <a:r>
-              <a:rPr lang="zh-CN" altLang="en-US" sz="2400" b="1" dirty="0"/>
-              <a:t>之后，预测的结果还是很可以的。</a:t>
-            </a:r>
-          </a:p>
-        </p:txBody>
-      </p:sp>
-    </p:spTree>
-    <p:extLst>
-      <p:ext uri="{BB962C8B-B14F-4D97-AF65-F5344CB8AC3E}">
-        <p14:creationId xmlns:p14="http://schemas.microsoft.com/office/powerpoint/2010/main" val="1204760242"/>
-      </p:ext>
-    </p:extLst>
-  </p:cSld>
-  <p:clrMapOvr>
-    <a:masterClrMapping/>
-  </p:clrMapOvr>
-  <mc:AlternateContent xmlns:mc="http://schemas.openxmlformats.org/markup-compatibility/2006" xmlns:p14="http://schemas.microsoft.com/office/powerpoint/2010/main">
-    <mc:Choice Requires="p14">
-      <p:transition spd="slow" p14:dur="1500">
-        <p:random/>
-      </p:transition>
-    </mc:Choice>
-    <mc:Fallback xmlns="">
-      <p:transition spd="slow">
-        <p:random/>
-      </p:transition>
-    </mc:Fallback>
-  </mc:AlternateContent>
 </p:sld>
 </file>
 
@@ -11945,6 +12413,419 @@
           <p:cNvPr id="2" name="文本框 1">
             <a:extLst>
               <a:ext uri="{FF2B5EF4-FFF2-40B4-BE49-F238E27FC236}">
+                <a16:creationId xmlns:a16="http://schemas.microsoft.com/office/drawing/2014/main" id="{3B0A10D3-D126-4A24-90AE-6912B423F91E}"/>
+              </a:ext>
+            </a:extLst>
+          </p:cNvPr>
+          <p:cNvSpPr txBox="1"/>
+          <p:nvPr/>
+        </p:nvSpPr>
+        <p:spPr>
+          <a:xfrm>
+            <a:off x="1491449" y="719091"/>
+            <a:ext cx="6098959" cy="2308324"/>
+          </a:xfrm>
+          <a:prstGeom prst="rect">
+            <a:avLst/>
+          </a:prstGeom>
+          <a:noFill/>
+        </p:spPr>
+        <p:txBody>
+          <a:bodyPr wrap="square" rtlCol="0">
+            <a:spAutoFit/>
+          </a:bodyPr>
+          <a:lstStyle/>
+          <a:p>
+            <a:r>
+              <a:rPr lang="zh-CN" altLang="en-US" dirty="0"/>
+              <a:t>迭代次数与</a:t>
+            </a:r>
+            <a:r>
+              <a:rPr lang="en-US" altLang="zh-CN" dirty="0"/>
+              <a:t>loss</a:t>
+            </a:r>
+            <a:r>
+              <a:rPr lang="zh-CN" altLang="en-US" dirty="0"/>
+              <a:t>值</a:t>
+            </a:r>
+            <a:endParaRPr lang="en-US" altLang="zh-CN" dirty="0"/>
+          </a:p>
+          <a:p>
+            <a:r>
+              <a:rPr lang="en-US" altLang="zh-CN" dirty="0"/>
+              <a:t>	</a:t>
+            </a:r>
+            <a:r>
+              <a:rPr lang="zh-CN" altLang="en-US" dirty="0"/>
+              <a:t>在进行模型建模时，迭代次数越高，</a:t>
+            </a:r>
+            <a:r>
+              <a:rPr lang="en-US" altLang="zh-CN" dirty="0"/>
+              <a:t>loss</a:t>
+            </a:r>
+            <a:r>
+              <a:rPr lang="zh-CN" altLang="en-US" dirty="0"/>
+              <a:t>值越低，预测结果也就越好。但是，迭代</a:t>
+            </a:r>
+            <a:r>
+              <a:rPr lang="en-US" altLang="zh-CN" dirty="0"/>
+              <a:t>1</a:t>
+            </a:r>
+            <a:r>
+              <a:rPr lang="zh-CN" altLang="en-US" dirty="0"/>
+              <a:t>次的时间与数据的量成正相关的。当面对</a:t>
+            </a:r>
+            <a:r>
+              <a:rPr lang="en-US" altLang="zh-CN" dirty="0"/>
+              <a:t>20</a:t>
+            </a:r>
+            <a:r>
+              <a:rPr lang="zh-CN" altLang="en-US" dirty="0"/>
+              <a:t>个数据时，</a:t>
+            </a:r>
+            <a:r>
+              <a:rPr lang="en-US" altLang="zh-CN" dirty="0"/>
+              <a:t>1000</a:t>
+            </a:r>
+            <a:r>
+              <a:rPr lang="zh-CN" altLang="en-US" dirty="0"/>
+              <a:t>次迭代差不多</a:t>
+            </a:r>
+            <a:r>
+              <a:rPr lang="en-US" altLang="zh-CN" dirty="0"/>
+              <a:t>10s</a:t>
+            </a:r>
+            <a:r>
+              <a:rPr lang="zh-CN" altLang="en-US" dirty="0"/>
+              <a:t>就完成了，也就是很快。但是，当面对</a:t>
+            </a:r>
+            <a:r>
+              <a:rPr lang="en-US" altLang="zh-CN" dirty="0"/>
+              <a:t>1w4</a:t>
+            </a:r>
+            <a:r>
+              <a:rPr lang="zh-CN" altLang="en-US" dirty="0"/>
+              <a:t>个数据时，光迭代一次，就需要大约</a:t>
+            </a:r>
+            <a:r>
+              <a:rPr lang="en-US" altLang="zh-CN" dirty="0"/>
+              <a:t>30s</a:t>
+            </a:r>
+            <a:r>
+              <a:rPr lang="zh-CN" altLang="en-US" dirty="0"/>
+              <a:t>的时间。</a:t>
+            </a:r>
+            <a:endParaRPr lang="en-US" altLang="zh-CN" dirty="0"/>
+          </a:p>
+          <a:p>
+            <a:r>
+              <a:rPr lang="en-US" altLang="zh-CN" dirty="0"/>
+              <a:t>	</a:t>
+            </a:r>
+            <a:r>
+              <a:rPr lang="zh-CN" altLang="en-US" dirty="0"/>
+              <a:t>下面是对</a:t>
+            </a:r>
+            <a:r>
+              <a:rPr lang="en-US" altLang="zh-CN" dirty="0"/>
+              <a:t>20</a:t>
+            </a:r>
+            <a:r>
+              <a:rPr lang="zh-CN" altLang="en-US" dirty="0"/>
+              <a:t>个显而易见的测试数据进行</a:t>
+            </a:r>
+            <a:r>
+              <a:rPr lang="en-US" altLang="zh-CN" dirty="0"/>
+              <a:t>1000</a:t>
+            </a:r>
+            <a:r>
+              <a:rPr lang="zh-CN" altLang="en-US" dirty="0"/>
+              <a:t>次迭代的截图，其中展示了</a:t>
+            </a:r>
+            <a:r>
+              <a:rPr lang="en-US" altLang="zh-CN" dirty="0"/>
+              <a:t>loss</a:t>
+            </a:r>
+            <a:r>
+              <a:rPr lang="zh-CN" altLang="en-US" dirty="0"/>
+              <a:t>值和预测结果。</a:t>
+            </a:r>
+          </a:p>
+        </p:txBody>
+      </p:sp>
+      <p:pic>
+        <p:nvPicPr>
+          <p:cNvPr id="4" name="图片 3">
+            <a:extLst>
+              <a:ext uri="{FF2B5EF4-FFF2-40B4-BE49-F238E27FC236}">
+                <a16:creationId xmlns:a16="http://schemas.microsoft.com/office/drawing/2014/main" id="{AD1CC732-B4B4-40A3-AC42-9952601E3AF1}"/>
+              </a:ext>
+            </a:extLst>
+          </p:cNvPr>
+          <p:cNvPicPr>
+            <a:picLocks noChangeAspect="1"/>
+          </p:cNvPicPr>
+          <p:nvPr/>
+        </p:nvPicPr>
+        <p:blipFill>
+          <a:blip r:embed="rId4">
+            <a:extLst>
+              <a:ext uri="{28A0092B-C50C-407E-A947-70E740481C1C}">
+                <a14:useLocalDpi xmlns:a14="http://schemas.microsoft.com/office/drawing/2010/main" val="0"/>
+              </a:ext>
+            </a:extLst>
+          </a:blip>
+          <a:stretch>
+            <a:fillRect/>
+          </a:stretch>
+        </p:blipFill>
+        <p:spPr>
+          <a:xfrm>
+            <a:off x="393076" y="3131793"/>
+            <a:ext cx="11174527" cy="517585"/>
+          </a:xfrm>
+          <a:prstGeom prst="rect">
+            <a:avLst/>
+          </a:prstGeom>
+        </p:spPr>
+      </p:pic>
+      <p:pic>
+        <p:nvPicPr>
+          <p:cNvPr id="7" name="图片 6">
+            <a:extLst>
+              <a:ext uri="{FF2B5EF4-FFF2-40B4-BE49-F238E27FC236}">
+                <a16:creationId xmlns:a16="http://schemas.microsoft.com/office/drawing/2014/main" id="{AC62E7DD-3482-44D4-8DF7-4D3CECDDFA45}"/>
+              </a:ext>
+            </a:extLst>
+          </p:cNvPr>
+          <p:cNvPicPr>
+            <a:picLocks noChangeAspect="1"/>
+          </p:cNvPicPr>
+          <p:nvPr/>
+        </p:nvPicPr>
+        <p:blipFill>
+          <a:blip r:embed="rId5">
+            <a:extLst>
+              <a:ext uri="{28A0092B-C50C-407E-A947-70E740481C1C}">
+                <a14:useLocalDpi xmlns:a14="http://schemas.microsoft.com/office/drawing/2010/main" val="0"/>
+              </a:ext>
+            </a:extLst>
+          </a:blip>
+          <a:stretch>
+            <a:fillRect/>
+          </a:stretch>
+        </p:blipFill>
+        <p:spPr>
+          <a:xfrm>
+            <a:off x="3250117" y="3753756"/>
+            <a:ext cx="3010475" cy="2596189"/>
+          </a:xfrm>
+          <a:prstGeom prst="rect">
+            <a:avLst/>
+          </a:prstGeom>
+        </p:spPr>
+      </p:pic>
+      <p:pic>
+        <p:nvPicPr>
+          <p:cNvPr id="9" name="图片 8">
+            <a:extLst>
+              <a:ext uri="{FF2B5EF4-FFF2-40B4-BE49-F238E27FC236}">
+                <a16:creationId xmlns:a16="http://schemas.microsoft.com/office/drawing/2014/main" id="{C234B30B-77F1-4A99-AC1E-4B80D4FC5B93}"/>
+              </a:ext>
+            </a:extLst>
+          </p:cNvPr>
+          <p:cNvPicPr>
+            <a:picLocks noChangeAspect="1"/>
+          </p:cNvPicPr>
+          <p:nvPr/>
+        </p:nvPicPr>
+        <p:blipFill rotWithShape="1">
+          <a:blip r:embed="rId6">
+            <a:extLst>
+              <a:ext uri="{28A0092B-C50C-407E-A947-70E740481C1C}">
+                <a14:useLocalDpi xmlns:a14="http://schemas.microsoft.com/office/drawing/2010/main" val="0"/>
+              </a:ext>
+            </a:extLst>
+          </a:blip>
+          <a:srcRect r="4330" b="49610"/>
+          <a:stretch/>
+        </p:blipFill>
+        <p:spPr>
+          <a:xfrm>
+            <a:off x="393076" y="3649378"/>
+            <a:ext cx="2749541" cy="2852055"/>
+          </a:xfrm>
+          <a:prstGeom prst="rect">
+            <a:avLst/>
+          </a:prstGeom>
+        </p:spPr>
+      </p:pic>
+      <p:sp>
+        <p:nvSpPr>
+          <p:cNvPr id="11" name="文本框 10">
+            <a:extLst>
+              <a:ext uri="{FF2B5EF4-FFF2-40B4-BE49-F238E27FC236}">
+                <a16:creationId xmlns:a16="http://schemas.microsoft.com/office/drawing/2014/main" id="{A913CBA4-EA76-45FB-A768-083ED7EABBC4}"/>
+              </a:ext>
+            </a:extLst>
+          </p:cNvPr>
+          <p:cNvSpPr txBox="1"/>
+          <p:nvPr/>
+        </p:nvSpPr>
+        <p:spPr>
+          <a:xfrm>
+            <a:off x="6096000" y="3882176"/>
+            <a:ext cx="5067315" cy="2677656"/>
+          </a:xfrm>
+          <a:prstGeom prst="rect">
+            <a:avLst/>
+          </a:prstGeom>
+          <a:noFill/>
+        </p:spPr>
+        <p:txBody>
+          <a:bodyPr wrap="square" rtlCol="0">
+            <a:spAutoFit/>
+          </a:bodyPr>
+          <a:lstStyle/>
+          <a:p>
+            <a:r>
+              <a:rPr lang="en-US" altLang="zh-CN" sz="2400" b="1" dirty="0"/>
+              <a:t>	</a:t>
+            </a:r>
+            <a:r>
+              <a:rPr lang="zh-CN" altLang="en-US" sz="2400" b="1" dirty="0"/>
+              <a:t>我们可以很清晰的看出来，迭代</a:t>
+            </a:r>
+            <a:r>
+              <a:rPr lang="en-US" altLang="zh-CN" sz="2400" b="1" dirty="0"/>
+              <a:t>1000</a:t>
+            </a:r>
+            <a:r>
+              <a:rPr lang="zh-CN" altLang="en-US" sz="2400" b="1" dirty="0"/>
+              <a:t>次，每迭代一次，</a:t>
+            </a:r>
+            <a:r>
+              <a:rPr lang="en-US" altLang="zh-CN" sz="2400" b="1" dirty="0"/>
+              <a:t>loss</a:t>
+            </a:r>
+            <a:r>
+              <a:rPr lang="zh-CN" altLang="en-US" sz="2400" b="1" dirty="0"/>
+              <a:t>值会减少一些。而迭代一次的时间，由于时间太短，显示出来的是</a:t>
+            </a:r>
+            <a:r>
+              <a:rPr lang="en-US" altLang="zh-CN" sz="2400" b="1" dirty="0"/>
+              <a:t>0s</a:t>
+            </a:r>
+            <a:r>
+              <a:rPr lang="zh-CN" altLang="en-US" sz="2400" b="1" dirty="0"/>
+              <a:t>。</a:t>
+            </a:r>
+            <a:endParaRPr lang="en-US" altLang="zh-CN" sz="2400" b="1" dirty="0"/>
+          </a:p>
+          <a:p>
+            <a:r>
+              <a:rPr lang="en-US" altLang="zh-CN" sz="2400" b="1" dirty="0"/>
+              <a:t>	</a:t>
+            </a:r>
+            <a:r>
+              <a:rPr lang="zh-CN" altLang="en-US" sz="2400" b="1" dirty="0"/>
+              <a:t>右图为预测的未来的七个数据，可以看出来，在迭代</a:t>
+            </a:r>
+            <a:r>
+              <a:rPr lang="en-US" altLang="zh-CN" sz="2400" b="1" dirty="0"/>
+              <a:t>1000</a:t>
+            </a:r>
+            <a:r>
+              <a:rPr lang="zh-CN" altLang="en-US" sz="2400" b="1" dirty="0"/>
+              <a:t>之后，预测的结果还是很可以的。</a:t>
+            </a:r>
+          </a:p>
+        </p:txBody>
+      </p:sp>
+    </p:spTree>
+    <p:extLst>
+      <p:ext uri="{BB962C8B-B14F-4D97-AF65-F5344CB8AC3E}">
+        <p14:creationId xmlns:p14="http://schemas.microsoft.com/office/powerpoint/2010/main" val="1204760242"/>
+      </p:ext>
+    </p:extLst>
+  </p:cSld>
+  <p:clrMapOvr>
+    <a:masterClrMapping/>
+  </p:clrMapOvr>
+  <mc:AlternateContent xmlns:mc="http://schemas.openxmlformats.org/markup-compatibility/2006" xmlns:p14="http://schemas.microsoft.com/office/powerpoint/2010/main">
+    <mc:Choice Requires="p14">
+      <p:transition spd="slow" p14:dur="1500">
+        <p:random/>
+      </p:transition>
+    </mc:Choice>
+    <mc:Fallback xmlns="">
+      <p:transition spd="slow">
+        <p:random/>
+      </p:transition>
+    </mc:Fallback>
+  </mc:AlternateContent>
+</p:sld>
+</file>
+
+<file path=ppt/slides/slide21.xml><?xml version="1.0" encoding="utf-8"?>
+<p:sld xmlns:a="http://schemas.openxmlformats.org/drawingml/2006/main" xmlns:r="http://schemas.openxmlformats.org/officeDocument/2006/relationships" xmlns:p="http://schemas.openxmlformats.org/presentationml/2006/main">
+  <p:cSld>
+    <p:spTree>
+      <p:nvGrpSpPr>
+        <p:cNvPr id="1" name=""/>
+        <p:cNvGrpSpPr/>
+        <p:nvPr/>
+      </p:nvGrpSpPr>
+      <p:grpSpPr>
+        <a:xfrm>
+          <a:off x="0" y="0"/>
+          <a:ext cx="0" cy="0"/>
+          <a:chOff x="0" y="0"/>
+          <a:chExt cx="0" cy="0"/>
+        </a:xfrm>
+      </p:grpSpPr>
+      <p:pic>
+        <p:nvPicPr>
+          <p:cNvPr id="12" name="图片 11"/>
+          <p:cNvPicPr>
+            <a:picLocks noChangeAspect="1"/>
+          </p:cNvPicPr>
+          <p:nvPr/>
+        </p:nvPicPr>
+        <p:blipFill>
+          <a:blip r:embed="rId3">
+            <a:duotone>
+              <a:schemeClr val="accent1">
+                <a:shade val="45000"/>
+                <a:satMod val="135000"/>
+              </a:schemeClr>
+              <a:prstClr val="white"/>
+            </a:duotone>
+            <a:extLst>
+              <a:ext uri="{28A0092B-C50C-407E-A947-70E740481C1C}">
+                <a14:useLocalDpi xmlns:a14="http://schemas.microsoft.com/office/drawing/2010/main" val="0"/>
+              </a:ext>
+            </a:extLst>
+          </a:blip>
+          <a:stretch>
+            <a:fillRect/>
+          </a:stretch>
+        </p:blipFill>
+        <p:spPr>
+          <a:xfrm>
+            <a:off x="5711300" y="1820929"/>
+            <a:ext cx="7539556" cy="6215628"/>
+          </a:xfrm>
+          <a:prstGeom prst="rect">
+            <a:avLst/>
+          </a:prstGeom>
+        </p:spPr>
+      </p:pic>
+      <p:sp>
+        <p:nvSpPr>
+          <p:cNvPr id="2" name="文本框 1">
+            <a:extLst>
+              <a:ext uri="{FF2B5EF4-FFF2-40B4-BE49-F238E27FC236}">
                 <a16:creationId xmlns:a16="http://schemas.microsoft.com/office/drawing/2014/main" id="{DAFF01EA-6684-4F8B-A06E-035071011CD6}"/>
               </a:ext>
             </a:extLst>
@@ -12076,7 +12957,7 @@
 </p:sld>
 </file>
 
-<file path=ppt/slides/slide21.xml><?xml version="1.0" encoding="utf-8"?>
+<file path=ppt/slides/slide22.xml><?xml version="1.0" encoding="utf-8"?>
 <p:sld xmlns:a="http://schemas.openxmlformats.org/drawingml/2006/main" xmlns:r="http://schemas.openxmlformats.org/officeDocument/2006/relationships" xmlns:p="http://schemas.openxmlformats.org/presentationml/2006/main">
   <p:cSld>
     <p:spTree>
@@ -12250,7 +13131,7 @@
 </p:sld>
 </file>
 
-<file path=ppt/slides/slide22.xml><?xml version="1.0" encoding="utf-8"?>
+<file path=ppt/slides/slide23.xml><?xml version="1.0" encoding="utf-8"?>
 <p:sld xmlns:a="http://schemas.openxmlformats.org/drawingml/2006/main" xmlns:r="http://schemas.openxmlformats.org/officeDocument/2006/relationships" xmlns:p="http://schemas.openxmlformats.org/presentationml/2006/main">
   <p:cSld>
     <p:spTree>
@@ -12328,7 +13209,7 @@
 </p:sld>
 </file>
 
-<file path=ppt/slides/slide23.xml><?xml version="1.0" encoding="utf-8"?>
+<file path=ppt/slides/slide24.xml><?xml version="1.0" encoding="utf-8"?>
 <p:sld xmlns:a="http://schemas.openxmlformats.org/drawingml/2006/main" xmlns:r="http://schemas.openxmlformats.org/officeDocument/2006/relationships" xmlns:p="http://schemas.openxmlformats.org/presentationml/2006/main">
   <p:cSld>
     <p:spTree>
@@ -12632,7 +13513,7 @@
 </p:sld>
 </file>
 
-<file path=ppt/slides/slide24.xml><?xml version="1.0" encoding="utf-8"?>
+<file path=ppt/slides/slide25.xml><?xml version="1.0" encoding="utf-8"?>
 <p:sld xmlns:a="http://schemas.openxmlformats.org/drawingml/2006/main" xmlns:r="http://schemas.openxmlformats.org/officeDocument/2006/relationships" xmlns:p="http://schemas.openxmlformats.org/presentationml/2006/main">
   <p:cSld>
     <p:spTree>
@@ -12874,7 +13755,7 @@
 </p:sld>
 </file>
 
-<file path=ppt/slides/slide25.xml><?xml version="1.0" encoding="utf-8"?>
+<file path=ppt/slides/slide26.xml><?xml version="1.0" encoding="utf-8"?>
 <p:sld xmlns:a="http://schemas.openxmlformats.org/drawingml/2006/main" xmlns:r="http://schemas.openxmlformats.org/officeDocument/2006/relationships" xmlns:p="http://schemas.openxmlformats.org/presentationml/2006/main">
   <p:cSld>
     <p:spTree>
@@ -13074,7 +13955,7 @@
 </p:sld>
 </file>
 
-<file path=ppt/slides/slide26.xml><?xml version="1.0" encoding="utf-8"?>
+<file path=ppt/slides/slide27.xml><?xml version="1.0" encoding="utf-8"?>
 <p:sld xmlns:a="http://schemas.openxmlformats.org/drawingml/2006/main" xmlns:r="http://schemas.openxmlformats.org/officeDocument/2006/relationships" xmlns:p="http://schemas.openxmlformats.org/presentationml/2006/main">
   <p:cSld>
     <p:spTree>
@@ -13342,7 +14223,7 @@
 </p:sld>
 </file>
 
-<file path=ppt/slides/slide27.xml><?xml version="1.0" encoding="utf-8"?>
+<file path=ppt/slides/slide28.xml><?xml version="1.0" encoding="utf-8"?>
 <p:sld xmlns:a="http://schemas.openxmlformats.org/drawingml/2006/main" xmlns:r="http://schemas.openxmlformats.org/officeDocument/2006/relationships" xmlns:p="http://schemas.openxmlformats.org/presentationml/2006/main">
   <p:cSld>
     <p:spTree>
@@ -14214,7 +15095,7 @@
 </p:sld>
 </file>
 
-<file path=ppt/slides/slide28.xml><?xml version="1.0" encoding="utf-8"?>
+<file path=ppt/slides/slide29.xml><?xml version="1.0" encoding="utf-8"?>
 <p:sld xmlns:a="http://schemas.openxmlformats.org/drawingml/2006/main" xmlns:r="http://schemas.openxmlformats.org/officeDocument/2006/relationships" xmlns:p="http://schemas.openxmlformats.org/presentationml/2006/main">
   <p:cSld>
     <p:spTree>
@@ -15035,7 +15916,275 @@
 </p:sld>
 </file>
 
-<file path=ppt/slides/slide29.xml><?xml version="1.0" encoding="utf-8"?>
+<file path=ppt/slides/slide3.xml><?xml version="1.0" encoding="utf-8"?>
+<p:sld xmlns:a="http://schemas.openxmlformats.org/drawingml/2006/main" xmlns:r="http://schemas.openxmlformats.org/officeDocument/2006/relationships" xmlns:p="http://schemas.openxmlformats.org/presentationml/2006/main">
+  <p:cSld>
+    <p:spTree>
+      <p:nvGrpSpPr>
+        <p:cNvPr id="1" name=""/>
+        <p:cNvGrpSpPr/>
+        <p:nvPr/>
+      </p:nvGrpSpPr>
+      <p:grpSpPr>
+        <a:xfrm>
+          <a:off x="0" y="0"/>
+          <a:ext cx="0" cy="0"/>
+          <a:chOff x="0" y="0"/>
+          <a:chExt cx="0" cy="0"/>
+        </a:xfrm>
+      </p:grpSpPr>
+      <p:cxnSp>
+        <p:nvCxnSpPr>
+          <p:cNvPr id="5" name="直接连接符 4"/>
+          <p:cNvCxnSpPr/>
+          <p:nvPr/>
+        </p:nvCxnSpPr>
+        <p:spPr bwMode="auto">
+          <a:xfrm flipH="1">
+            <a:off x="1516335" y="2542082"/>
+            <a:ext cx="1171575" cy="0"/>
+          </a:xfrm>
+          <a:prstGeom prst="line">
+            <a:avLst/>
+          </a:prstGeom>
+          <a:ln w="28575">
+            <a:solidFill>
+              <a:schemeClr val="accent1"/>
+            </a:solidFill>
+          </a:ln>
+        </p:spPr>
+        <p:style>
+          <a:lnRef idx="1">
+            <a:schemeClr val="accent1"/>
+          </a:lnRef>
+          <a:fillRef idx="0">
+            <a:schemeClr val="accent1"/>
+          </a:fillRef>
+          <a:effectRef idx="0">
+            <a:schemeClr val="accent1"/>
+          </a:effectRef>
+          <a:fontRef idx="minor">
+            <a:schemeClr val="tx1"/>
+          </a:fontRef>
+        </p:style>
+      </p:cxnSp>
+      <p:sp>
+        <p:nvSpPr>
+          <p:cNvPr id="10" name="文本框 9"/>
+          <p:cNvSpPr txBox="1"/>
+          <p:nvPr/>
+        </p:nvSpPr>
+        <p:spPr>
+          <a:xfrm>
+            <a:off x="474698" y="1821936"/>
+            <a:ext cx="2339102" cy="523220"/>
+          </a:xfrm>
+          <a:prstGeom prst="rect">
+            <a:avLst/>
+          </a:prstGeom>
+          <a:noFill/>
+        </p:spPr>
+        <p:txBody>
+          <a:bodyPr wrap="none" rtlCol="0">
+            <a:spAutoFit/>
+          </a:bodyPr>
+          <a:lstStyle/>
+          <a:p>
+            <a:r>
+              <a:rPr lang="zh-CN" altLang="en-US" sz="2800" dirty="0">
+                <a:solidFill>
+                  <a:schemeClr val="tx1">
+                    <a:lumMod val="75000"/>
+                    <a:lumOff val="25000"/>
+                  </a:schemeClr>
+                </a:solidFill>
+                <a:latin typeface="微软雅黑" panose="020B0503020204020204" pitchFamily="34" charset="-122"/>
+                <a:ea typeface="微软雅黑" panose="020B0503020204020204" pitchFamily="34" charset="-122"/>
+              </a:rPr>
+              <a:t>项目管理过程</a:t>
+            </a:r>
+          </a:p>
+        </p:txBody>
+      </p:sp>
+      <p:pic>
+        <p:nvPicPr>
+          <p:cNvPr id="12" name="图片 11"/>
+          <p:cNvPicPr>
+            <a:picLocks noChangeAspect="1"/>
+          </p:cNvPicPr>
+          <p:nvPr/>
+        </p:nvPicPr>
+        <p:blipFill>
+          <a:blip r:embed="rId3">
+            <a:duotone>
+              <a:schemeClr val="accent1">
+                <a:shade val="45000"/>
+                <a:satMod val="135000"/>
+              </a:schemeClr>
+              <a:prstClr val="white"/>
+            </a:duotone>
+            <a:extLst>
+              <a:ext uri="{28A0092B-C50C-407E-A947-70E740481C1C}">
+                <a14:useLocalDpi xmlns:a14="http://schemas.microsoft.com/office/drawing/2010/main" val="0"/>
+              </a:ext>
+            </a:extLst>
+          </a:blip>
+          <a:stretch>
+            <a:fillRect/>
+          </a:stretch>
+        </p:blipFill>
+        <p:spPr>
+          <a:xfrm>
+            <a:off x="5711300" y="1820929"/>
+            <a:ext cx="7539556" cy="6215628"/>
+          </a:xfrm>
+          <a:prstGeom prst="rect">
+            <a:avLst/>
+          </a:prstGeom>
+        </p:spPr>
+      </p:pic>
+      <p:sp>
+        <p:nvSpPr>
+          <p:cNvPr id="13" name="矩形 12"/>
+          <p:cNvSpPr/>
+          <p:nvPr/>
+        </p:nvSpPr>
+        <p:spPr>
+          <a:xfrm>
+            <a:off x="8466603" y="4062015"/>
+            <a:ext cx="1739579" cy="2646878"/>
+          </a:xfrm>
+          <a:prstGeom prst="rect">
+            <a:avLst/>
+          </a:prstGeom>
+        </p:spPr>
+        <p:txBody>
+          <a:bodyPr wrap="none">
+            <a:spAutoFit/>
+          </a:bodyPr>
+          <a:lstStyle/>
+          <a:p>
+            <a:r>
+              <a:rPr lang="en-US" altLang="zh-CN" sz="16600" dirty="0">
+                <a:latin typeface="Tw Cen MT Condensed" panose="020B0606020104020203" pitchFamily="34" charset="0"/>
+              </a:rPr>
+              <a:t>01</a:t>
+            </a:r>
+          </a:p>
+        </p:txBody>
+      </p:sp>
+    </p:spTree>
+    <p:extLst>
+      <p:ext uri="{BB962C8B-B14F-4D97-AF65-F5344CB8AC3E}">
+        <p14:creationId xmlns:p14="http://schemas.microsoft.com/office/powerpoint/2010/main" val="80435662"/>
+      </p:ext>
+    </p:extLst>
+  </p:cSld>
+  <p:clrMapOvr>
+    <a:masterClrMapping/>
+  </p:clrMapOvr>
+  <mc:AlternateContent xmlns:mc="http://schemas.openxmlformats.org/markup-compatibility/2006" xmlns:p14="http://schemas.microsoft.com/office/powerpoint/2010/main">
+    <mc:Choice Requires="p14">
+      <p:transition spd="slow" p14:dur="1500">
+        <p:random/>
+      </p:transition>
+    </mc:Choice>
+    <mc:Fallback xmlns="">
+      <p:transition spd="slow">
+        <p:random/>
+      </p:transition>
+    </mc:Fallback>
+  </mc:AlternateContent>
+  <p:timing>
+    <p:tnLst>
+      <p:par>
+        <p:cTn id="1" dur="indefinite" restart="never" nodeType="tmRoot">
+          <p:childTnLst>
+            <p:seq concurrent="1" nextAc="seek">
+              <p:cTn id="2" dur="indefinite" nodeType="mainSeq">
+                <p:childTnLst>
+                  <p:par>
+                    <p:cTn id="3" fill="hold">
+                      <p:stCondLst>
+                        <p:cond delay="indefinite"/>
+                        <p:cond evt="onBegin" delay="0">
+                          <p:tn val="2"/>
+                        </p:cond>
+                      </p:stCondLst>
+                      <p:childTnLst>
+                        <p:par>
+                          <p:cTn id="4" fill="hold">
+                            <p:stCondLst>
+                              <p:cond delay="0"/>
+                            </p:stCondLst>
+                            <p:childTnLst>
+                              <p:par>
+                                <p:cTn id="5" presetID="22" presetClass="entr" presetSubtype="8" fill="hold" nodeType="afterEffect">
+                                  <p:stCondLst>
+                                    <p:cond delay="0"/>
+                                  </p:stCondLst>
+                                  <p:childTnLst>
+                                    <p:set>
+                                      <p:cBhvr>
+                                        <p:cTn id="6" dur="1" fill="hold">
+                                          <p:stCondLst>
+                                            <p:cond delay="0"/>
+                                          </p:stCondLst>
+                                        </p:cTn>
+                                        <p:tgtEl>
+                                          <p:spTgt spid="5"/>
+                                        </p:tgtEl>
+                                        <p:attrNameLst>
+                                          <p:attrName>style.visibility</p:attrName>
+                                        </p:attrNameLst>
+                                      </p:cBhvr>
+                                      <p:to>
+                                        <p:strVal val="visible"/>
+                                      </p:to>
+                                    </p:set>
+                                    <p:animEffect transition="in" filter="wipe(left)">
+                                      <p:cBhvr>
+                                        <p:cTn id="7" dur="500"/>
+                                        <p:tgtEl>
+                                          <p:spTgt spid="5"/>
+                                        </p:tgtEl>
+                                      </p:cBhvr>
+                                    </p:animEffect>
+                                  </p:childTnLst>
+                                </p:cTn>
+                              </p:par>
+                            </p:childTnLst>
+                          </p:cTn>
+                        </p:par>
+                      </p:childTnLst>
+                    </p:cTn>
+                  </p:par>
+                </p:childTnLst>
+              </p:cTn>
+              <p:prevCondLst>
+                <p:cond evt="onPrev" delay="0">
+                  <p:tgtEl>
+                    <p:sldTgt/>
+                  </p:tgtEl>
+                </p:cond>
+              </p:prevCondLst>
+              <p:nextCondLst>
+                <p:cond evt="onNext" delay="0">
+                  <p:tgtEl>
+                    <p:sldTgt/>
+                  </p:tgtEl>
+                </p:cond>
+              </p:nextCondLst>
+            </p:seq>
+          </p:childTnLst>
+        </p:cTn>
+      </p:par>
+    </p:tnLst>
+  </p:timing>
+</p:sld>
+</file>
+
+<file path=ppt/slides/slide30.xml><?xml version="1.0" encoding="utf-8"?>
 <p:sld xmlns:a="http://schemas.openxmlformats.org/drawingml/2006/main" xmlns:r="http://schemas.openxmlformats.org/officeDocument/2006/relationships" xmlns:p="http://schemas.openxmlformats.org/presentationml/2006/main">
   <p:cSld>
     <p:spTree>
@@ -15765,275 +16914,7 @@
 </p:sld>
 </file>
 
-<file path=ppt/slides/slide3.xml><?xml version="1.0" encoding="utf-8"?>
-<p:sld xmlns:a="http://schemas.openxmlformats.org/drawingml/2006/main" xmlns:r="http://schemas.openxmlformats.org/officeDocument/2006/relationships" xmlns:p="http://schemas.openxmlformats.org/presentationml/2006/main">
-  <p:cSld>
-    <p:spTree>
-      <p:nvGrpSpPr>
-        <p:cNvPr id="1" name=""/>
-        <p:cNvGrpSpPr/>
-        <p:nvPr/>
-      </p:nvGrpSpPr>
-      <p:grpSpPr>
-        <a:xfrm>
-          <a:off x="0" y="0"/>
-          <a:ext cx="0" cy="0"/>
-          <a:chOff x="0" y="0"/>
-          <a:chExt cx="0" cy="0"/>
-        </a:xfrm>
-      </p:grpSpPr>
-      <p:cxnSp>
-        <p:nvCxnSpPr>
-          <p:cNvPr id="5" name="直接连接符 4"/>
-          <p:cNvCxnSpPr/>
-          <p:nvPr/>
-        </p:nvCxnSpPr>
-        <p:spPr bwMode="auto">
-          <a:xfrm flipH="1">
-            <a:off x="1516335" y="2542082"/>
-            <a:ext cx="1171575" cy="0"/>
-          </a:xfrm>
-          <a:prstGeom prst="line">
-            <a:avLst/>
-          </a:prstGeom>
-          <a:ln w="28575">
-            <a:solidFill>
-              <a:schemeClr val="accent1"/>
-            </a:solidFill>
-          </a:ln>
-        </p:spPr>
-        <p:style>
-          <a:lnRef idx="1">
-            <a:schemeClr val="accent1"/>
-          </a:lnRef>
-          <a:fillRef idx="0">
-            <a:schemeClr val="accent1"/>
-          </a:fillRef>
-          <a:effectRef idx="0">
-            <a:schemeClr val="accent1"/>
-          </a:effectRef>
-          <a:fontRef idx="minor">
-            <a:schemeClr val="tx1"/>
-          </a:fontRef>
-        </p:style>
-      </p:cxnSp>
-      <p:sp>
-        <p:nvSpPr>
-          <p:cNvPr id="10" name="文本框 9"/>
-          <p:cNvSpPr txBox="1"/>
-          <p:nvPr/>
-        </p:nvSpPr>
-        <p:spPr>
-          <a:xfrm>
-            <a:off x="474698" y="1821936"/>
-            <a:ext cx="2339102" cy="523220"/>
-          </a:xfrm>
-          <a:prstGeom prst="rect">
-            <a:avLst/>
-          </a:prstGeom>
-          <a:noFill/>
-        </p:spPr>
-        <p:txBody>
-          <a:bodyPr wrap="none" rtlCol="0">
-            <a:spAutoFit/>
-          </a:bodyPr>
-          <a:lstStyle/>
-          <a:p>
-            <a:r>
-              <a:rPr lang="zh-CN" altLang="en-US" sz="2800" dirty="0">
-                <a:solidFill>
-                  <a:schemeClr val="tx1">
-                    <a:lumMod val="75000"/>
-                    <a:lumOff val="25000"/>
-                  </a:schemeClr>
-                </a:solidFill>
-                <a:latin typeface="微软雅黑" panose="020B0503020204020204" pitchFamily="34" charset="-122"/>
-                <a:ea typeface="微软雅黑" panose="020B0503020204020204" pitchFamily="34" charset="-122"/>
-              </a:rPr>
-              <a:t>项目管理过程</a:t>
-            </a:r>
-          </a:p>
-        </p:txBody>
-      </p:sp>
-      <p:pic>
-        <p:nvPicPr>
-          <p:cNvPr id="12" name="图片 11"/>
-          <p:cNvPicPr>
-            <a:picLocks noChangeAspect="1"/>
-          </p:cNvPicPr>
-          <p:nvPr/>
-        </p:nvPicPr>
-        <p:blipFill>
-          <a:blip r:embed="rId3">
-            <a:duotone>
-              <a:schemeClr val="accent1">
-                <a:shade val="45000"/>
-                <a:satMod val="135000"/>
-              </a:schemeClr>
-              <a:prstClr val="white"/>
-            </a:duotone>
-            <a:extLst>
-              <a:ext uri="{28A0092B-C50C-407E-A947-70E740481C1C}">
-                <a14:useLocalDpi xmlns:a14="http://schemas.microsoft.com/office/drawing/2010/main" val="0"/>
-              </a:ext>
-            </a:extLst>
-          </a:blip>
-          <a:stretch>
-            <a:fillRect/>
-          </a:stretch>
-        </p:blipFill>
-        <p:spPr>
-          <a:xfrm>
-            <a:off x="5711300" y="1820929"/>
-            <a:ext cx="7539556" cy="6215628"/>
-          </a:xfrm>
-          <a:prstGeom prst="rect">
-            <a:avLst/>
-          </a:prstGeom>
-        </p:spPr>
-      </p:pic>
-      <p:sp>
-        <p:nvSpPr>
-          <p:cNvPr id="13" name="矩形 12"/>
-          <p:cNvSpPr/>
-          <p:nvPr/>
-        </p:nvSpPr>
-        <p:spPr>
-          <a:xfrm>
-            <a:off x="8466603" y="4062015"/>
-            <a:ext cx="1739579" cy="2646878"/>
-          </a:xfrm>
-          <a:prstGeom prst="rect">
-            <a:avLst/>
-          </a:prstGeom>
-        </p:spPr>
-        <p:txBody>
-          <a:bodyPr wrap="none">
-            <a:spAutoFit/>
-          </a:bodyPr>
-          <a:lstStyle/>
-          <a:p>
-            <a:r>
-              <a:rPr lang="en-US" altLang="zh-CN" sz="16600" dirty="0">
-                <a:latin typeface="Tw Cen MT Condensed" panose="020B0606020104020203" pitchFamily="34" charset="0"/>
-              </a:rPr>
-              <a:t>01</a:t>
-            </a:r>
-          </a:p>
-        </p:txBody>
-      </p:sp>
-    </p:spTree>
-    <p:extLst>
-      <p:ext uri="{BB962C8B-B14F-4D97-AF65-F5344CB8AC3E}">
-        <p14:creationId xmlns:p14="http://schemas.microsoft.com/office/powerpoint/2010/main" val="80435662"/>
-      </p:ext>
-    </p:extLst>
-  </p:cSld>
-  <p:clrMapOvr>
-    <a:masterClrMapping/>
-  </p:clrMapOvr>
-  <mc:AlternateContent xmlns:mc="http://schemas.openxmlformats.org/markup-compatibility/2006" xmlns:p14="http://schemas.microsoft.com/office/powerpoint/2010/main">
-    <mc:Choice Requires="p14">
-      <p:transition spd="slow" p14:dur="1500">
-        <p:random/>
-      </p:transition>
-    </mc:Choice>
-    <mc:Fallback xmlns="">
-      <p:transition spd="slow">
-        <p:random/>
-      </p:transition>
-    </mc:Fallback>
-  </mc:AlternateContent>
-  <p:timing>
-    <p:tnLst>
-      <p:par>
-        <p:cTn id="1" dur="indefinite" restart="never" nodeType="tmRoot">
-          <p:childTnLst>
-            <p:seq concurrent="1" nextAc="seek">
-              <p:cTn id="2" dur="indefinite" nodeType="mainSeq">
-                <p:childTnLst>
-                  <p:par>
-                    <p:cTn id="3" fill="hold">
-                      <p:stCondLst>
-                        <p:cond delay="indefinite"/>
-                        <p:cond evt="onBegin" delay="0">
-                          <p:tn val="2"/>
-                        </p:cond>
-                      </p:stCondLst>
-                      <p:childTnLst>
-                        <p:par>
-                          <p:cTn id="4" fill="hold">
-                            <p:stCondLst>
-                              <p:cond delay="0"/>
-                            </p:stCondLst>
-                            <p:childTnLst>
-                              <p:par>
-                                <p:cTn id="5" presetID="22" presetClass="entr" presetSubtype="8" fill="hold" nodeType="afterEffect">
-                                  <p:stCondLst>
-                                    <p:cond delay="0"/>
-                                  </p:stCondLst>
-                                  <p:childTnLst>
-                                    <p:set>
-                                      <p:cBhvr>
-                                        <p:cTn id="6" dur="1" fill="hold">
-                                          <p:stCondLst>
-                                            <p:cond delay="0"/>
-                                          </p:stCondLst>
-                                        </p:cTn>
-                                        <p:tgtEl>
-                                          <p:spTgt spid="5"/>
-                                        </p:tgtEl>
-                                        <p:attrNameLst>
-                                          <p:attrName>style.visibility</p:attrName>
-                                        </p:attrNameLst>
-                                      </p:cBhvr>
-                                      <p:to>
-                                        <p:strVal val="visible"/>
-                                      </p:to>
-                                    </p:set>
-                                    <p:animEffect transition="in" filter="wipe(left)">
-                                      <p:cBhvr>
-                                        <p:cTn id="7" dur="500"/>
-                                        <p:tgtEl>
-                                          <p:spTgt spid="5"/>
-                                        </p:tgtEl>
-                                      </p:cBhvr>
-                                    </p:animEffect>
-                                  </p:childTnLst>
-                                </p:cTn>
-                              </p:par>
-                            </p:childTnLst>
-                          </p:cTn>
-                        </p:par>
-                      </p:childTnLst>
-                    </p:cTn>
-                  </p:par>
-                </p:childTnLst>
-              </p:cTn>
-              <p:prevCondLst>
-                <p:cond evt="onPrev" delay="0">
-                  <p:tgtEl>
-                    <p:sldTgt/>
-                  </p:tgtEl>
-                </p:cond>
-              </p:prevCondLst>
-              <p:nextCondLst>
-                <p:cond evt="onNext" delay="0">
-                  <p:tgtEl>
-                    <p:sldTgt/>
-                  </p:tgtEl>
-                </p:cond>
-              </p:nextCondLst>
-            </p:seq>
-          </p:childTnLst>
-        </p:cTn>
-      </p:par>
-    </p:tnLst>
-  </p:timing>
-</p:sld>
-</file>
-
-<file path=ppt/slides/slide30.xml><?xml version="1.0" encoding="utf-8"?>
+<file path=ppt/slides/slide31.xml><?xml version="1.0" encoding="utf-8"?>
 <p:sld xmlns:a="http://schemas.openxmlformats.org/drawingml/2006/main" xmlns:r="http://schemas.openxmlformats.org/officeDocument/2006/relationships" xmlns:p="http://schemas.openxmlformats.org/presentationml/2006/main">
   <p:cSld>
     <p:spTree>
@@ -16883,7 +17764,7 @@
 </p:sld>
 </file>
 
-<file path=ppt/slides/slide31.xml><?xml version="1.0" encoding="utf-8"?>
+<file path=ppt/slides/slide32.xml><?xml version="1.0" encoding="utf-8"?>
 <p:sld xmlns:a="http://schemas.openxmlformats.org/drawingml/2006/main" xmlns:r="http://schemas.openxmlformats.org/officeDocument/2006/relationships" xmlns:p="http://schemas.openxmlformats.org/presentationml/2006/main">
   <p:cSld>
     <p:spTree>
@@ -17557,7 +18438,7 @@
 </p:sld>
 </file>
 
-<file path=ppt/slides/slide32.xml><?xml version="1.0" encoding="utf-8"?>
+<file path=ppt/slides/slide33.xml><?xml version="1.0" encoding="utf-8"?>
 <p:sld xmlns:a="http://schemas.openxmlformats.org/drawingml/2006/main" xmlns:r="http://schemas.openxmlformats.org/officeDocument/2006/relationships" xmlns:p="http://schemas.openxmlformats.org/presentationml/2006/main">
   <p:cSld>
     <p:spTree>
@@ -17786,7 +18667,7 @@
 </p:sld>
 </file>
 
-<file path=ppt/slides/slide33.xml><?xml version="1.0" encoding="utf-8"?>
+<file path=ppt/slides/slide34.xml><?xml version="1.0" encoding="utf-8"?>
 <p:sld xmlns:a="http://schemas.openxmlformats.org/drawingml/2006/main" xmlns:r="http://schemas.openxmlformats.org/officeDocument/2006/relationships" xmlns:p="http://schemas.openxmlformats.org/presentationml/2006/main">
   <p:cSld>
     <p:spTree>
@@ -18015,7 +18896,7 @@
 </p:sld>
 </file>
 
-<file path=ppt/slides/slide34.xml><?xml version="1.0" encoding="utf-8"?>
+<file path=ppt/slides/slide35.xml><?xml version="1.0" encoding="utf-8"?>
 <p:sld xmlns:a="http://schemas.openxmlformats.org/drawingml/2006/main" xmlns:r="http://schemas.openxmlformats.org/officeDocument/2006/relationships" xmlns:p="http://schemas.openxmlformats.org/presentationml/2006/main">
   <p:cSld>
     <p:spTree>
@@ -20537,6 +21418,770 @@
           <a:chExt cx="0" cy="0"/>
         </a:xfrm>
       </p:grpSpPr>
+      <p:grpSp>
+        <p:nvGrpSpPr>
+          <p:cNvPr id="37" name="组合 36"/>
+          <p:cNvGrpSpPr/>
+          <p:nvPr/>
+        </p:nvGrpSpPr>
+        <p:grpSpPr>
+          <a:xfrm>
+            <a:off x="2500583" y="2003419"/>
+            <a:ext cx="7188796" cy="2851162"/>
+            <a:chOff x="1285634" y="2021572"/>
+            <a:chExt cx="2867972" cy="1243125"/>
+          </a:xfrm>
+        </p:grpSpPr>
+        <p:sp>
+          <p:nvSpPr>
+            <p:cNvPr id="38" name="TextBox 7"/>
+            <p:cNvSpPr>
+              <a:spLocks noChangeArrowheads="1"/>
+            </p:cNvSpPr>
+            <p:nvPr/>
+          </p:nvSpPr>
+          <p:spPr bwMode="auto">
+            <a:xfrm>
+              <a:off x="1285634" y="2379026"/>
+              <a:ext cx="2867972" cy="885671"/>
+            </a:xfrm>
+            <a:prstGeom prst="rect">
+              <a:avLst/>
+            </a:prstGeom>
+            <a:noFill/>
+            <a:ln>
+              <a:noFill/>
+            </a:ln>
+            <a:extLst>
+              <a:ext uri="{909E8E84-426E-40DD-AFC4-6F175D3DCCD1}">
+                <a14:hiddenFill xmlns:a14="http://schemas.microsoft.com/office/drawing/2010/main">
+                  <a:solidFill>
+                    <a:srgbClr val="FFFFFF"/>
+                  </a:solidFill>
+                </a14:hiddenFill>
+              </a:ext>
+              <a:ext uri="{91240B29-F687-4F45-9708-019B960494DF}">
+                <a14:hiddenLine xmlns:a14="http://schemas.microsoft.com/office/drawing/2010/main" w="9525">
+                  <a:solidFill>
+                    <a:srgbClr val="000000"/>
+                  </a:solidFill>
+                  <a:miter lim="800000"/>
+                  <a:headEnd/>
+                  <a:tailEnd/>
+                </a14:hiddenLine>
+              </a:ext>
+            </a:extLst>
+          </p:spPr>
+          <p:txBody>
+            <a:bodyPr wrap="square">
+              <a:spAutoFit/>
+            </a:bodyPr>
+            <a:lstStyle/>
+            <a:p>
+              <a:pPr algn="just"/>
+              <a:r>
+                <a:rPr lang="zh-CN" altLang="en-US" sz="1400" dirty="0">
+                  <a:solidFill>
+                    <a:schemeClr val="tx1">
+                      <a:lumMod val="65000"/>
+                      <a:lumOff val="35000"/>
+                    </a:schemeClr>
+                  </a:solidFill>
+                  <a:latin typeface="微软雅黑" panose="020B0503020204020204" pitchFamily="34" charset="-122"/>
+                  <a:ea typeface="微软雅黑" panose="020B0503020204020204" pitchFamily="34" charset="-122"/>
+                </a:rPr>
+                <a:t>邓梁：虚拟机集群搭建、前后端编写、数据清洗、部署服务器</a:t>
+              </a:r>
+              <a:endParaRPr lang="en-US" altLang="zh-CN" sz="1400" dirty="0">
+                <a:solidFill>
+                  <a:schemeClr val="tx1">
+                    <a:lumMod val="65000"/>
+                    <a:lumOff val="35000"/>
+                  </a:schemeClr>
+                </a:solidFill>
+                <a:latin typeface="微软雅黑" panose="020B0503020204020204" pitchFamily="34" charset="-122"/>
+                <a:ea typeface="微软雅黑" panose="020B0503020204020204" pitchFamily="34" charset="-122"/>
+              </a:endParaRPr>
+            </a:p>
+            <a:p>
+              <a:pPr algn="just"/>
+              <a:endParaRPr lang="en-US" altLang="zh-CN" sz="1400" dirty="0">
+                <a:solidFill>
+                  <a:schemeClr val="tx1">
+                    <a:lumMod val="65000"/>
+                    <a:lumOff val="35000"/>
+                  </a:schemeClr>
+                </a:solidFill>
+                <a:latin typeface="微软雅黑" panose="020B0503020204020204" pitchFamily="34" charset="-122"/>
+                <a:ea typeface="微软雅黑" panose="020B0503020204020204" pitchFamily="34" charset="-122"/>
+              </a:endParaRPr>
+            </a:p>
+            <a:p>
+              <a:pPr algn="just"/>
+              <a:r>
+                <a:rPr lang="zh-CN" altLang="en-US" sz="1400" dirty="0">
+                  <a:solidFill>
+                    <a:schemeClr val="tx1">
+                      <a:lumMod val="65000"/>
+                      <a:lumOff val="35000"/>
+                    </a:schemeClr>
+                  </a:solidFill>
+                  <a:latin typeface="微软雅黑" panose="020B0503020204020204" pitchFamily="34" charset="-122"/>
+                  <a:ea typeface="微软雅黑" panose="020B0503020204020204" pitchFamily="34" charset="-122"/>
+                </a:rPr>
+                <a:t>周卓航：</a:t>
+              </a:r>
+              <a:r>
+                <a:rPr lang="en-US" altLang="zh-CN" sz="1400" dirty="0">
+                  <a:solidFill>
+                    <a:schemeClr val="tx1">
+                      <a:lumMod val="65000"/>
+                      <a:lumOff val="35000"/>
+                    </a:schemeClr>
+                  </a:solidFill>
+                  <a:latin typeface="微软雅黑" panose="020B0503020204020204" pitchFamily="34" charset="-122"/>
+                  <a:ea typeface="微软雅黑" panose="020B0503020204020204" pitchFamily="34" charset="-122"/>
+                </a:rPr>
+                <a:t>flask</a:t>
+              </a:r>
+              <a:r>
+                <a:rPr lang="zh-CN" altLang="en-US" sz="1400" dirty="0">
+                  <a:solidFill>
+                    <a:schemeClr val="tx1">
+                      <a:lumMod val="65000"/>
+                      <a:lumOff val="35000"/>
+                    </a:schemeClr>
+                  </a:solidFill>
+                  <a:latin typeface="微软雅黑" panose="020B0503020204020204" pitchFamily="34" charset="-122"/>
+                  <a:ea typeface="微软雅黑" panose="020B0503020204020204" pitchFamily="34" charset="-122"/>
+                </a:rPr>
+                <a:t>后端编写、</a:t>
+              </a:r>
+              <a:r>
+                <a:rPr lang="en-US" altLang="zh-CN" sz="1400" dirty="0" err="1">
+                  <a:solidFill>
+                    <a:schemeClr val="tx1">
+                      <a:lumMod val="65000"/>
+                      <a:lumOff val="35000"/>
+                    </a:schemeClr>
+                  </a:solidFill>
+                  <a:latin typeface="微软雅黑" panose="020B0503020204020204" pitchFamily="34" charset="-122"/>
+                  <a:ea typeface="微软雅黑" panose="020B0503020204020204" pitchFamily="34" charset="-122"/>
+                </a:rPr>
+                <a:t>websocket</a:t>
+              </a:r>
+              <a:r>
+                <a:rPr lang="zh-CN" altLang="en-US" sz="1400" dirty="0">
+                  <a:solidFill>
+                    <a:schemeClr val="tx1">
+                      <a:lumMod val="65000"/>
+                      <a:lumOff val="35000"/>
+                    </a:schemeClr>
+                  </a:solidFill>
+                  <a:latin typeface="微软雅黑" panose="020B0503020204020204" pitchFamily="34" charset="-122"/>
+                  <a:ea typeface="微软雅黑" panose="020B0503020204020204" pitchFamily="34" charset="-122"/>
+                </a:rPr>
+                <a:t>、</a:t>
+              </a:r>
+              <a:r>
+                <a:rPr lang="en-US" altLang="zh-CN" sz="1400" dirty="0">
+                  <a:solidFill>
+                    <a:schemeClr val="tx1">
+                      <a:lumMod val="65000"/>
+                      <a:lumOff val="35000"/>
+                    </a:schemeClr>
+                  </a:solidFill>
+                  <a:latin typeface="微软雅黑" panose="020B0503020204020204" pitchFamily="34" charset="-122"/>
+                  <a:ea typeface="微软雅黑" panose="020B0503020204020204" pitchFamily="34" charset="-122"/>
+                </a:rPr>
+                <a:t>json</a:t>
+              </a:r>
+              <a:r>
+                <a:rPr lang="zh-CN" altLang="en-US" sz="1400" dirty="0">
+                  <a:solidFill>
+                    <a:schemeClr val="tx1">
+                      <a:lumMod val="65000"/>
+                      <a:lumOff val="35000"/>
+                    </a:schemeClr>
+                  </a:solidFill>
+                  <a:latin typeface="微软雅黑" panose="020B0503020204020204" pitchFamily="34" charset="-122"/>
+                  <a:ea typeface="微软雅黑" panose="020B0503020204020204" pitchFamily="34" charset="-122"/>
+                </a:rPr>
+                <a:t>处理类、前端编写</a:t>
+              </a:r>
+              <a:endParaRPr lang="en-US" altLang="zh-CN" sz="1400" dirty="0">
+                <a:solidFill>
+                  <a:schemeClr val="tx1">
+                    <a:lumMod val="65000"/>
+                    <a:lumOff val="35000"/>
+                  </a:schemeClr>
+                </a:solidFill>
+                <a:latin typeface="微软雅黑" panose="020B0503020204020204" pitchFamily="34" charset="-122"/>
+                <a:ea typeface="微软雅黑" panose="020B0503020204020204" pitchFamily="34" charset="-122"/>
+              </a:endParaRPr>
+            </a:p>
+            <a:p>
+              <a:pPr algn="just"/>
+              <a:endParaRPr lang="en-US" altLang="zh-CN" sz="1400" dirty="0">
+                <a:solidFill>
+                  <a:schemeClr val="tx1">
+                    <a:lumMod val="65000"/>
+                    <a:lumOff val="35000"/>
+                  </a:schemeClr>
+                </a:solidFill>
+                <a:latin typeface="微软雅黑" panose="020B0503020204020204" pitchFamily="34" charset="-122"/>
+                <a:ea typeface="微软雅黑" panose="020B0503020204020204" pitchFamily="34" charset="-122"/>
+              </a:endParaRPr>
+            </a:p>
+            <a:p>
+              <a:pPr algn="just"/>
+              <a:r>
+                <a:rPr lang="zh-CN" altLang="en-US" sz="1400" dirty="0">
+                  <a:solidFill>
+                    <a:schemeClr val="tx1">
+                      <a:lumMod val="65000"/>
+                      <a:lumOff val="35000"/>
+                    </a:schemeClr>
+                  </a:solidFill>
+                  <a:latin typeface="微软雅黑" panose="020B0503020204020204" pitchFamily="34" charset="-122"/>
+                  <a:ea typeface="微软雅黑" panose="020B0503020204020204" pitchFamily="34" charset="-122"/>
+                </a:rPr>
+                <a:t>李佳诚：天气预测模型、前端编写</a:t>
+              </a:r>
+              <a:endParaRPr lang="en-US" altLang="zh-CN" sz="1400" dirty="0">
+                <a:solidFill>
+                  <a:schemeClr val="tx1">
+                    <a:lumMod val="65000"/>
+                    <a:lumOff val="35000"/>
+                  </a:schemeClr>
+                </a:solidFill>
+                <a:latin typeface="微软雅黑" panose="020B0503020204020204" pitchFamily="34" charset="-122"/>
+                <a:ea typeface="微软雅黑" panose="020B0503020204020204" pitchFamily="34" charset="-122"/>
+              </a:endParaRPr>
+            </a:p>
+            <a:p>
+              <a:pPr algn="just"/>
+              <a:endParaRPr lang="en-US" altLang="zh-CN" sz="1400" dirty="0">
+                <a:solidFill>
+                  <a:schemeClr val="tx1">
+                    <a:lumMod val="65000"/>
+                    <a:lumOff val="35000"/>
+                  </a:schemeClr>
+                </a:solidFill>
+                <a:latin typeface="微软雅黑" panose="020B0503020204020204" pitchFamily="34" charset="-122"/>
+                <a:ea typeface="微软雅黑" panose="020B0503020204020204" pitchFamily="34" charset="-122"/>
+              </a:endParaRPr>
+            </a:p>
+            <a:p>
+              <a:pPr algn="just"/>
+              <a:r>
+                <a:rPr lang="zh-CN" altLang="en-US" sz="1400" dirty="0">
+                  <a:solidFill>
+                    <a:schemeClr val="tx1">
+                      <a:lumMod val="65000"/>
+                      <a:lumOff val="35000"/>
+                    </a:schemeClr>
+                  </a:solidFill>
+                  <a:latin typeface="微软雅黑" panose="020B0503020204020204" pitchFamily="34" charset="-122"/>
+                  <a:ea typeface="微软雅黑" panose="020B0503020204020204" pitchFamily="34" charset="-122"/>
+                </a:rPr>
+                <a:t>王玉月：测试、文档撰写、后端接口编写</a:t>
+              </a:r>
+              <a:endParaRPr lang="en-US" altLang="zh-CN" sz="1400" dirty="0">
+                <a:solidFill>
+                  <a:schemeClr val="tx1">
+                    <a:lumMod val="65000"/>
+                    <a:lumOff val="35000"/>
+                  </a:schemeClr>
+                </a:solidFill>
+                <a:latin typeface="微软雅黑" panose="020B0503020204020204" pitchFamily="34" charset="-122"/>
+                <a:ea typeface="微软雅黑" panose="020B0503020204020204" pitchFamily="34" charset="-122"/>
+              </a:endParaRPr>
+            </a:p>
+            <a:p>
+              <a:pPr algn="just"/>
+              <a:endParaRPr lang="en-US" altLang="zh-CN" sz="1400" dirty="0">
+                <a:solidFill>
+                  <a:schemeClr val="tx1">
+                    <a:lumMod val="65000"/>
+                    <a:lumOff val="35000"/>
+                  </a:schemeClr>
+                </a:solidFill>
+                <a:latin typeface="微软雅黑" panose="020B0503020204020204" pitchFamily="34" charset="-122"/>
+                <a:ea typeface="微软雅黑" panose="020B0503020204020204" pitchFamily="34" charset="-122"/>
+              </a:endParaRPr>
+            </a:p>
+            <a:p>
+              <a:pPr algn="just"/>
+              <a:r>
+                <a:rPr lang="zh-CN" altLang="en-US" sz="1400" dirty="0">
+                  <a:solidFill>
+                    <a:schemeClr val="tx1">
+                      <a:lumMod val="65000"/>
+                      <a:lumOff val="35000"/>
+                    </a:schemeClr>
+                  </a:solidFill>
+                  <a:latin typeface="微软雅黑" panose="020B0503020204020204" pitchFamily="34" charset="-122"/>
+                  <a:ea typeface="微软雅黑" panose="020B0503020204020204" pitchFamily="34" charset="-122"/>
+                </a:rPr>
+                <a:t>李原苇：后端编写</a:t>
+              </a:r>
+              <a:endParaRPr lang="en-US" altLang="zh-CN" sz="1400" dirty="0">
+                <a:solidFill>
+                  <a:schemeClr val="tx1">
+                    <a:lumMod val="65000"/>
+                    <a:lumOff val="35000"/>
+                  </a:schemeClr>
+                </a:solidFill>
+                <a:latin typeface="微软雅黑" panose="020B0503020204020204" pitchFamily="34" charset="-122"/>
+                <a:ea typeface="微软雅黑" panose="020B0503020204020204" pitchFamily="34" charset="-122"/>
+              </a:endParaRPr>
+            </a:p>
+          </p:txBody>
+        </p:sp>
+        <p:sp>
+          <p:nvSpPr>
+            <p:cNvPr id="39" name="文本框 19"/>
+            <p:cNvSpPr>
+              <a:spLocks noChangeArrowheads="1"/>
+            </p:cNvSpPr>
+            <p:nvPr/>
+          </p:nvSpPr>
+          <p:spPr bwMode="auto">
+            <a:xfrm>
+              <a:off x="1285634" y="2021572"/>
+              <a:ext cx="697627" cy="400203"/>
+            </a:xfrm>
+            <a:prstGeom prst="rect">
+              <a:avLst/>
+            </a:prstGeom>
+            <a:noFill/>
+            <a:ln>
+              <a:noFill/>
+            </a:ln>
+            <a:extLst>
+              <a:ext uri="{909E8E84-426E-40DD-AFC4-6F175D3DCCD1}">
+                <a14:hiddenFill xmlns:a14="http://schemas.microsoft.com/office/drawing/2010/main">
+                  <a:solidFill>
+                    <a:srgbClr val="FFFFFF"/>
+                  </a:solidFill>
+                </a14:hiddenFill>
+              </a:ext>
+              <a:ext uri="{91240B29-F687-4F45-9708-019B960494DF}">
+                <a14:hiddenLine xmlns:a14="http://schemas.microsoft.com/office/drawing/2010/main" w="9525">
+                  <a:solidFill>
+                    <a:srgbClr val="000000"/>
+                  </a:solidFill>
+                  <a:miter lim="800000"/>
+                  <a:headEnd/>
+                  <a:tailEnd/>
+                </a14:hiddenLine>
+              </a:ext>
+            </a:extLst>
+          </p:spPr>
+          <p:txBody>
+            <a:bodyPr wrap="none">
+              <a:spAutoFit/>
+            </a:bodyPr>
+            <a:lstStyle>
+              <a:lvl1pPr eaLnBrk="0" hangingPunct="0">
+                <a:defRPr>
+                  <a:solidFill>
+                    <a:schemeClr val="tx1"/>
+                  </a:solidFill>
+                  <a:latin typeface="Arial" panose="020B0604020202020204" pitchFamily="34" charset="0"/>
+                  <a:ea typeface="宋体" panose="02010600030101010101" pitchFamily="2" charset="-122"/>
+                </a:defRPr>
+              </a:lvl1pPr>
+              <a:lvl2pPr marL="742950" indent="-285750" eaLnBrk="0" hangingPunct="0">
+                <a:defRPr>
+                  <a:solidFill>
+                    <a:schemeClr val="tx1"/>
+                  </a:solidFill>
+                  <a:latin typeface="Arial" panose="020B0604020202020204" pitchFamily="34" charset="0"/>
+                  <a:ea typeface="宋体" panose="02010600030101010101" pitchFamily="2" charset="-122"/>
+                </a:defRPr>
+              </a:lvl2pPr>
+              <a:lvl3pPr marL="1143000" indent="-228600" eaLnBrk="0" hangingPunct="0">
+                <a:defRPr>
+                  <a:solidFill>
+                    <a:schemeClr val="tx1"/>
+                  </a:solidFill>
+                  <a:latin typeface="Arial" panose="020B0604020202020204" pitchFamily="34" charset="0"/>
+                  <a:ea typeface="宋体" panose="02010600030101010101" pitchFamily="2" charset="-122"/>
+                </a:defRPr>
+              </a:lvl3pPr>
+              <a:lvl4pPr marL="1600200" indent="-228600" eaLnBrk="0" hangingPunct="0">
+                <a:defRPr>
+                  <a:solidFill>
+                    <a:schemeClr val="tx1"/>
+                  </a:solidFill>
+                  <a:latin typeface="Arial" panose="020B0604020202020204" pitchFamily="34" charset="0"/>
+                  <a:ea typeface="宋体" panose="02010600030101010101" pitchFamily="2" charset="-122"/>
+                </a:defRPr>
+              </a:lvl4pPr>
+              <a:lvl5pPr marL="2057400" indent="-228600" eaLnBrk="0" hangingPunct="0">
+                <a:defRPr>
+                  <a:solidFill>
+                    <a:schemeClr val="tx1"/>
+                  </a:solidFill>
+                  <a:latin typeface="Arial" panose="020B0604020202020204" pitchFamily="34" charset="0"/>
+                  <a:ea typeface="宋体" panose="02010600030101010101" pitchFamily="2" charset="-122"/>
+                </a:defRPr>
+              </a:lvl5pPr>
+              <a:lvl6pPr marL="2514600" indent="-228600" eaLnBrk="0" fontAlgn="base" hangingPunct="0">
+                <a:spcBef>
+                  <a:spcPct val="0"/>
+                </a:spcBef>
+                <a:spcAft>
+                  <a:spcPct val="0"/>
+                </a:spcAft>
+                <a:buFont typeface="Arial" panose="020B0604020202020204" pitchFamily="34" charset="0"/>
+                <a:defRPr>
+                  <a:solidFill>
+                    <a:schemeClr val="tx1"/>
+                  </a:solidFill>
+                  <a:latin typeface="Arial" panose="020B0604020202020204" pitchFamily="34" charset="0"/>
+                  <a:ea typeface="宋体" panose="02010600030101010101" pitchFamily="2" charset="-122"/>
+                </a:defRPr>
+              </a:lvl6pPr>
+              <a:lvl7pPr marL="2971800" indent="-228600" eaLnBrk="0" fontAlgn="base" hangingPunct="0">
+                <a:spcBef>
+                  <a:spcPct val="0"/>
+                </a:spcBef>
+                <a:spcAft>
+                  <a:spcPct val="0"/>
+                </a:spcAft>
+                <a:buFont typeface="Arial" panose="020B0604020202020204" pitchFamily="34" charset="0"/>
+                <a:defRPr>
+                  <a:solidFill>
+                    <a:schemeClr val="tx1"/>
+                  </a:solidFill>
+                  <a:latin typeface="Arial" panose="020B0604020202020204" pitchFamily="34" charset="0"/>
+                  <a:ea typeface="宋体" panose="02010600030101010101" pitchFamily="2" charset="-122"/>
+                </a:defRPr>
+              </a:lvl7pPr>
+              <a:lvl8pPr marL="3429000" indent="-228600" eaLnBrk="0" fontAlgn="base" hangingPunct="0">
+                <a:spcBef>
+                  <a:spcPct val="0"/>
+                </a:spcBef>
+                <a:spcAft>
+                  <a:spcPct val="0"/>
+                </a:spcAft>
+                <a:buFont typeface="Arial" panose="020B0604020202020204" pitchFamily="34" charset="0"/>
+                <a:defRPr>
+                  <a:solidFill>
+                    <a:schemeClr val="tx1"/>
+                  </a:solidFill>
+                  <a:latin typeface="Arial" panose="020B0604020202020204" pitchFamily="34" charset="0"/>
+                  <a:ea typeface="宋体" panose="02010600030101010101" pitchFamily="2" charset="-122"/>
+                </a:defRPr>
+              </a:lvl8pPr>
+              <a:lvl9pPr marL="3886200" indent="-228600" eaLnBrk="0" fontAlgn="base" hangingPunct="0">
+                <a:spcBef>
+                  <a:spcPct val="0"/>
+                </a:spcBef>
+                <a:spcAft>
+                  <a:spcPct val="0"/>
+                </a:spcAft>
+                <a:buFont typeface="Arial" panose="020B0604020202020204" pitchFamily="34" charset="0"/>
+                <a:defRPr>
+                  <a:solidFill>
+                    <a:schemeClr val="tx1"/>
+                  </a:solidFill>
+                  <a:latin typeface="Arial" panose="020B0604020202020204" pitchFamily="34" charset="0"/>
+                  <a:ea typeface="宋体" panose="02010600030101010101" pitchFamily="2" charset="-122"/>
+                </a:defRPr>
+              </a:lvl9pPr>
+            </a:lstStyle>
+            <a:p>
+              <a:pPr eaLnBrk="1" hangingPunct="1"/>
+              <a:r>
+                <a:rPr lang="zh-CN" altLang="en-US" sz="2000" b="1" dirty="0">
+                  <a:solidFill>
+                    <a:schemeClr val="tx1">
+                      <a:lumMod val="65000"/>
+                      <a:lumOff val="35000"/>
+                    </a:schemeClr>
+                  </a:solidFill>
+                  <a:latin typeface="微软雅黑" panose="020B0503020204020204" pitchFamily="34" charset="-122"/>
+                  <a:ea typeface="微软雅黑" panose="020B0503020204020204" pitchFamily="34" charset="-122"/>
+                  <a:cs typeface="Calibri" panose="020F0502020204030204" pitchFamily="34" charset="0"/>
+                  <a:sym typeface="Calibri" panose="020F0502020204030204" pitchFamily="34" charset="0"/>
+                </a:rPr>
+                <a:t>分工</a:t>
+              </a:r>
+              <a:endParaRPr lang="en-US" altLang="zh-CN" sz="1200" b="1" dirty="0">
+                <a:solidFill>
+                  <a:schemeClr val="tx1">
+                    <a:lumMod val="65000"/>
+                    <a:lumOff val="35000"/>
+                  </a:schemeClr>
+                </a:solidFill>
+                <a:latin typeface="微软雅黑" panose="020B0503020204020204" pitchFamily="34" charset="-122"/>
+                <a:ea typeface="微软雅黑" panose="020B0503020204020204" pitchFamily="34" charset="-122"/>
+                <a:cs typeface="Calibri" panose="020F0502020204030204" pitchFamily="34" charset="0"/>
+                <a:sym typeface="Calibri" panose="020F0502020204030204" pitchFamily="34" charset="0"/>
+              </a:endParaRPr>
+            </a:p>
+          </p:txBody>
+        </p:sp>
+      </p:grpSp>
+      <p:grpSp>
+        <p:nvGrpSpPr>
+          <p:cNvPr id="64" name="组合 63"/>
+          <p:cNvGrpSpPr/>
+          <p:nvPr/>
+        </p:nvGrpSpPr>
+        <p:grpSpPr>
+          <a:xfrm>
+            <a:off x="-2037" y="-12668"/>
+            <a:ext cx="12194037" cy="733182"/>
+            <a:chOff x="-2037" y="-12668"/>
+            <a:chExt cx="12194037" cy="733182"/>
+          </a:xfrm>
+        </p:grpSpPr>
+        <p:pic>
+          <p:nvPicPr>
+            <p:cNvPr id="58" name="图片 57"/>
+            <p:cNvPicPr>
+              <a:picLocks noChangeAspect="1"/>
+            </p:cNvPicPr>
+            <p:nvPr/>
+          </p:nvPicPr>
+          <p:blipFill rotWithShape="1">
+            <a:blip r:embed="rId3">
+              <a:extLst>
+                <a:ext uri="{28A0092B-C50C-407E-A947-70E740481C1C}">
+                  <a14:useLocalDpi xmlns:a14="http://schemas.microsoft.com/office/drawing/2010/main" val="0"/>
+                </a:ext>
+              </a:extLst>
+            </a:blip>
+            <a:srcRect l="701" t="83726" r="4360" b="7711"/>
+            <a:stretch/>
+          </p:blipFill>
+          <p:spPr>
+            <a:xfrm>
+              <a:off x="-2037" y="-12668"/>
+              <a:ext cx="12194037" cy="733182"/>
+            </a:xfrm>
+            <a:prstGeom prst="rect">
+              <a:avLst/>
+            </a:prstGeom>
+          </p:spPr>
+        </p:pic>
+        <p:grpSp>
+          <p:nvGrpSpPr>
+            <p:cNvPr id="59" name="组合 58"/>
+            <p:cNvGrpSpPr/>
+            <p:nvPr/>
+          </p:nvGrpSpPr>
+          <p:grpSpPr>
+            <a:xfrm>
+              <a:off x="243261" y="36283"/>
+              <a:ext cx="2090957" cy="646331"/>
+              <a:chOff x="7409549" y="2061765"/>
+              <a:chExt cx="2090957" cy="646331"/>
+            </a:xfrm>
+          </p:grpSpPr>
+          <p:sp>
+            <p:nvSpPr>
+              <p:cNvPr id="60" name="文本框 59"/>
+              <p:cNvSpPr txBox="1"/>
+              <p:nvPr/>
+            </p:nvSpPr>
+            <p:spPr>
+              <a:xfrm>
+                <a:off x="7930846" y="2198872"/>
+                <a:ext cx="1569660" cy="369332"/>
+              </a:xfrm>
+              <a:prstGeom prst="rect">
+                <a:avLst/>
+              </a:prstGeom>
+              <a:noFill/>
+            </p:spPr>
+            <p:txBody>
+              <a:bodyPr wrap="none" rtlCol="0">
+                <a:spAutoFit/>
+              </a:bodyPr>
+              <a:lstStyle/>
+              <a:p>
+                <a:r>
+                  <a:rPr lang="zh-CN" altLang="en-US" dirty="0">
+                    <a:solidFill>
+                      <a:schemeClr val="tx1">
+                        <a:lumMod val="75000"/>
+                        <a:lumOff val="25000"/>
+                      </a:schemeClr>
+                    </a:solidFill>
+                    <a:latin typeface="微软雅黑" panose="020B0503020204020204" pitchFamily="34" charset="-122"/>
+                    <a:ea typeface="微软雅黑" panose="020B0503020204020204" pitchFamily="34" charset="-122"/>
+                  </a:rPr>
+                  <a:t>项目管理过程</a:t>
+                </a:r>
+              </a:p>
+            </p:txBody>
+          </p:sp>
+          <p:sp>
+            <p:nvSpPr>
+              <p:cNvPr id="63" name="矩形 62"/>
+              <p:cNvSpPr/>
+              <p:nvPr/>
+            </p:nvSpPr>
+            <p:spPr>
+              <a:xfrm>
+                <a:off x="7409549" y="2061765"/>
+                <a:ext cx="521297" cy="646331"/>
+              </a:xfrm>
+              <a:prstGeom prst="rect">
+                <a:avLst/>
+              </a:prstGeom>
+            </p:spPr>
+            <p:txBody>
+              <a:bodyPr wrap="none">
+                <a:spAutoFit/>
+              </a:bodyPr>
+              <a:lstStyle/>
+              <a:p>
+                <a:r>
+                  <a:rPr lang="en-US" altLang="zh-CN" sz="3600" dirty="0">
+                    <a:latin typeface="Tw Cen MT Condensed" panose="020B0606020104020203" pitchFamily="34" charset="0"/>
+                  </a:rPr>
+                  <a:t>01</a:t>
+                </a:r>
+              </a:p>
+            </p:txBody>
+          </p:sp>
+        </p:grpSp>
+      </p:grpSp>
+    </p:spTree>
+    <p:extLst>
+      <p:ext uri="{BB962C8B-B14F-4D97-AF65-F5344CB8AC3E}">
+        <p14:creationId xmlns:p14="http://schemas.microsoft.com/office/powerpoint/2010/main" val="849721449"/>
+      </p:ext>
+    </p:extLst>
+  </p:cSld>
+  <p:clrMapOvr>
+    <a:masterClrMapping/>
+  </p:clrMapOvr>
+  <mc:AlternateContent xmlns:mc="http://schemas.openxmlformats.org/markup-compatibility/2006" xmlns:p14="http://schemas.microsoft.com/office/powerpoint/2010/main">
+    <mc:Choice Requires="p14">
+      <p:transition spd="slow" p14:dur="1500">
+        <p:random/>
+      </p:transition>
+    </mc:Choice>
+    <mc:Fallback xmlns="">
+      <p:transition spd="slow">
+        <p:random/>
+      </p:transition>
+    </mc:Fallback>
+  </mc:AlternateContent>
+  <p:timing>
+    <p:tnLst>
+      <p:par>
+        <p:cTn id="1" dur="indefinite" restart="never" nodeType="tmRoot">
+          <p:childTnLst>
+            <p:seq concurrent="1" nextAc="seek">
+              <p:cTn id="2" dur="indefinite" nodeType="mainSeq">
+                <p:childTnLst>
+                  <p:par>
+                    <p:cTn id="3" fill="hold">
+                      <p:stCondLst>
+                        <p:cond delay="indefinite"/>
+                        <p:cond evt="onBegin" delay="0">
+                          <p:tn val="2"/>
+                        </p:cond>
+                      </p:stCondLst>
+                      <p:childTnLst>
+                        <p:par>
+                          <p:cTn id="4" fill="hold">
+                            <p:stCondLst>
+                              <p:cond delay="0"/>
+                            </p:stCondLst>
+                            <p:childTnLst>
+                              <p:par>
+                                <p:cTn id="5" presetID="22" presetClass="entr" presetSubtype="1" fill="hold" nodeType="afterEffect">
+                                  <p:stCondLst>
+                                    <p:cond delay="0"/>
+                                  </p:stCondLst>
+                                  <p:childTnLst>
+                                    <p:set>
+                                      <p:cBhvr>
+                                        <p:cTn id="6" dur="1" fill="hold">
+                                          <p:stCondLst>
+                                            <p:cond delay="0"/>
+                                          </p:stCondLst>
+                                        </p:cTn>
+                                        <p:tgtEl>
+                                          <p:spTgt spid="37"/>
+                                        </p:tgtEl>
+                                        <p:attrNameLst>
+                                          <p:attrName>style.visibility</p:attrName>
+                                        </p:attrNameLst>
+                                      </p:cBhvr>
+                                      <p:to>
+                                        <p:strVal val="visible"/>
+                                      </p:to>
+                                    </p:set>
+                                    <p:animEffect transition="in" filter="wipe(up)">
+                                      <p:cBhvr>
+                                        <p:cTn id="7" dur="500"/>
+                                        <p:tgtEl>
+                                          <p:spTgt spid="37"/>
+                                        </p:tgtEl>
+                                      </p:cBhvr>
+                                    </p:animEffect>
+                                  </p:childTnLst>
+                                </p:cTn>
+                              </p:par>
+                            </p:childTnLst>
+                          </p:cTn>
+                        </p:par>
+                      </p:childTnLst>
+                    </p:cTn>
+                  </p:par>
+                </p:childTnLst>
+              </p:cTn>
+              <p:prevCondLst>
+                <p:cond evt="onPrev" delay="0">
+                  <p:tgtEl>
+                    <p:sldTgt/>
+                  </p:tgtEl>
+                </p:cond>
+              </p:prevCondLst>
+              <p:nextCondLst>
+                <p:cond evt="onNext" delay="0">
+                  <p:tgtEl>
+                    <p:sldTgt/>
+                  </p:tgtEl>
+                </p:cond>
+              </p:nextCondLst>
+            </p:seq>
+          </p:childTnLst>
+        </p:cTn>
+      </p:par>
+    </p:tnLst>
+  </p:timing>
+</p:sld>
+</file>
+
+<file path=ppt/slides/slide8.xml><?xml version="1.0" encoding="utf-8"?>
+<p:sld xmlns:a="http://schemas.openxmlformats.org/drawingml/2006/main" xmlns:r="http://schemas.openxmlformats.org/officeDocument/2006/relationships" xmlns:p="http://schemas.openxmlformats.org/presentationml/2006/main">
+  <p:cSld>
+    <p:spTree>
+      <p:nvGrpSpPr>
+        <p:cNvPr id="1" name=""/>
+        <p:cNvGrpSpPr/>
+        <p:nvPr/>
+      </p:nvGrpSpPr>
+      <p:grpSpPr>
+        <a:xfrm>
+          <a:off x="0" y="0"/>
+          <a:ext cx="0" cy="0"/>
+          <a:chOff x="0" y="0"/>
+          <a:chExt cx="0" cy="0"/>
+        </a:xfrm>
+      </p:grpSpPr>
       <p:cxnSp>
         <p:nvCxnSpPr>
           <p:cNvPr id="5" name="直接连接符 4"/>
@@ -20801,7 +22446,7 @@
 </p:sld>
 </file>
 
-<file path=ppt/slides/slide8.xml><?xml version="1.0" encoding="utf-8"?>
+<file path=ppt/slides/slide9.xml><?xml version="1.0" encoding="utf-8"?>
 <p:sld xmlns:a="http://schemas.openxmlformats.org/drawingml/2006/main" xmlns:r="http://schemas.openxmlformats.org/officeDocument/2006/relationships" xmlns:p="http://schemas.openxmlformats.org/presentationml/2006/main">
   <p:cSld>
     <p:spTree>
@@ -21420,802 +23065,6 @@
     <p:extLst>
       <p:ext uri="{BB962C8B-B14F-4D97-AF65-F5344CB8AC3E}">
         <p14:creationId xmlns:p14="http://schemas.microsoft.com/office/powerpoint/2010/main" val="1200901040"/>
-      </p:ext>
-    </p:extLst>
-  </p:cSld>
-  <p:clrMapOvr>
-    <a:masterClrMapping/>
-  </p:clrMapOvr>
-  <mc:AlternateContent xmlns:mc="http://schemas.openxmlformats.org/markup-compatibility/2006" xmlns:p14="http://schemas.microsoft.com/office/powerpoint/2010/main">
-    <mc:Choice Requires="p14">
-      <p:transition spd="slow" p14:dur="1500">
-        <p:random/>
-      </p:transition>
-    </mc:Choice>
-    <mc:Fallback xmlns="">
-      <p:transition spd="slow">
-        <p:random/>
-      </p:transition>
-    </mc:Fallback>
-  </mc:AlternateContent>
-  <p:timing>
-    <p:tnLst>
-      <p:par>
-        <p:cTn id="1" dur="indefinite" restart="never" nodeType="tmRoot">
-          <p:childTnLst>
-            <p:seq concurrent="1" nextAc="seek">
-              <p:cTn id="2" dur="indefinite" nodeType="mainSeq">
-                <p:childTnLst>
-                  <p:par>
-                    <p:cTn id="3" fill="hold">
-                      <p:stCondLst>
-                        <p:cond delay="indefinite"/>
-                        <p:cond evt="onBegin" delay="0">
-                          <p:tn val="2"/>
-                        </p:cond>
-                      </p:stCondLst>
-                      <p:childTnLst>
-                        <p:par>
-                          <p:cTn id="4" fill="hold">
-                            <p:stCondLst>
-                              <p:cond delay="0"/>
-                            </p:stCondLst>
-                            <p:childTnLst>
-                              <p:par>
-                                <p:cTn id="5" presetID="22" presetClass="entr" presetSubtype="1" fill="hold" nodeType="afterEffect">
-                                  <p:stCondLst>
-                                    <p:cond delay="0"/>
-                                  </p:stCondLst>
-                                  <p:childTnLst>
-                                    <p:set>
-                                      <p:cBhvr>
-                                        <p:cTn id="6" dur="1" fill="hold">
-                                          <p:stCondLst>
-                                            <p:cond delay="0"/>
-                                          </p:stCondLst>
-                                        </p:cTn>
-                                        <p:tgtEl>
-                                          <p:spTgt spid="37"/>
-                                        </p:tgtEl>
-                                        <p:attrNameLst>
-                                          <p:attrName>style.visibility</p:attrName>
-                                        </p:attrNameLst>
-                                      </p:cBhvr>
-                                      <p:to>
-                                        <p:strVal val="visible"/>
-                                      </p:to>
-                                    </p:set>
-                                    <p:animEffect transition="in" filter="wipe(up)">
-                                      <p:cBhvr>
-                                        <p:cTn id="7" dur="500"/>
-                                        <p:tgtEl>
-                                          <p:spTgt spid="37"/>
-                                        </p:tgtEl>
-                                      </p:cBhvr>
-                                    </p:animEffect>
-                                  </p:childTnLst>
-                                </p:cTn>
-                              </p:par>
-                            </p:childTnLst>
-                          </p:cTn>
-                        </p:par>
-                      </p:childTnLst>
-                    </p:cTn>
-                  </p:par>
-                </p:childTnLst>
-              </p:cTn>
-              <p:prevCondLst>
-                <p:cond evt="onPrev" delay="0">
-                  <p:tgtEl>
-                    <p:sldTgt/>
-                  </p:tgtEl>
-                </p:cond>
-              </p:prevCondLst>
-              <p:nextCondLst>
-                <p:cond evt="onNext" delay="0">
-                  <p:tgtEl>
-                    <p:sldTgt/>
-                  </p:tgtEl>
-                </p:cond>
-              </p:nextCondLst>
-            </p:seq>
-          </p:childTnLst>
-        </p:cTn>
-      </p:par>
-    </p:tnLst>
-  </p:timing>
-</p:sld>
-</file>
-
-<file path=ppt/slides/slide9.xml><?xml version="1.0" encoding="utf-8"?>
-<p:sld xmlns:a="http://schemas.openxmlformats.org/drawingml/2006/main" xmlns:r="http://schemas.openxmlformats.org/officeDocument/2006/relationships" xmlns:p="http://schemas.openxmlformats.org/presentationml/2006/main">
-  <p:cSld>
-    <p:spTree>
-      <p:nvGrpSpPr>
-        <p:cNvPr id="1" name=""/>
-        <p:cNvGrpSpPr/>
-        <p:nvPr/>
-      </p:nvGrpSpPr>
-      <p:grpSpPr>
-        <a:xfrm>
-          <a:off x="0" y="0"/>
-          <a:ext cx="0" cy="0"/>
-          <a:chOff x="0" y="0"/>
-          <a:chExt cx="0" cy="0"/>
-        </a:xfrm>
-      </p:grpSpPr>
-      <p:grpSp>
-        <p:nvGrpSpPr>
-          <p:cNvPr id="37" name="组合 36"/>
-          <p:cNvGrpSpPr/>
-          <p:nvPr/>
-        </p:nvGrpSpPr>
-        <p:grpSpPr>
-          <a:xfrm>
-            <a:off x="503909" y="2753751"/>
-            <a:ext cx="2867972" cy="1526922"/>
-            <a:chOff x="1285634" y="2021572"/>
-            <a:chExt cx="2867972" cy="1527276"/>
-          </a:xfrm>
-        </p:grpSpPr>
-        <p:sp>
-          <p:nvSpPr>
-            <p:cNvPr id="38" name="TextBox 7"/>
-            <p:cNvSpPr>
-              <a:spLocks noChangeArrowheads="1"/>
-            </p:cNvSpPr>
-            <p:nvPr/>
-          </p:nvSpPr>
-          <p:spPr bwMode="auto">
-            <a:xfrm>
-              <a:off x="1285634" y="2379026"/>
-              <a:ext cx="2867972" cy="1169822"/>
-            </a:xfrm>
-            <a:prstGeom prst="rect">
-              <a:avLst/>
-            </a:prstGeom>
-            <a:noFill/>
-            <a:ln>
-              <a:noFill/>
-            </a:ln>
-            <a:extLst>
-              <a:ext uri="{909E8E84-426E-40DD-AFC4-6F175D3DCCD1}">
-                <a14:hiddenFill xmlns:a14="http://schemas.microsoft.com/office/drawing/2010/main">
-                  <a:solidFill>
-                    <a:srgbClr val="FFFFFF"/>
-                  </a:solidFill>
-                </a14:hiddenFill>
-              </a:ext>
-              <a:ext uri="{91240B29-F687-4F45-9708-019B960494DF}">
-                <a14:hiddenLine xmlns:a14="http://schemas.microsoft.com/office/drawing/2010/main" w="9525">
-                  <a:solidFill>
-                    <a:srgbClr val="000000"/>
-                  </a:solidFill>
-                  <a:miter lim="800000"/>
-                  <a:headEnd/>
-                  <a:tailEnd/>
-                </a14:hiddenLine>
-              </a:ext>
-            </a:extLst>
-          </p:spPr>
-          <p:txBody>
-            <a:bodyPr wrap="square">
-              <a:spAutoFit/>
-            </a:bodyPr>
-            <a:lstStyle/>
-            <a:p>
-              <a:pPr algn="just"/>
-              <a:r>
-                <a:rPr lang="zh-CN" altLang="en-US" sz="1400" dirty="0">
-                  <a:solidFill>
-                    <a:schemeClr val="tx1">
-                      <a:lumMod val="65000"/>
-                      <a:lumOff val="35000"/>
-                    </a:schemeClr>
-                  </a:solidFill>
-                  <a:latin typeface="微软雅黑" panose="020B0503020204020204" pitchFamily="34" charset="-122"/>
-                  <a:ea typeface="微软雅黑" panose="020B0503020204020204" pitchFamily="34" charset="-122"/>
-                </a:rPr>
-                <a:t>学习了</a:t>
-              </a:r>
-              <a:r>
-                <a:rPr lang="en-US" altLang="zh-CN" sz="1400" dirty="0">
-                  <a:solidFill>
-                    <a:schemeClr val="tx1">
-                      <a:lumMod val="65000"/>
-                      <a:lumOff val="35000"/>
-                    </a:schemeClr>
-                  </a:solidFill>
-                  <a:latin typeface="微软雅黑" panose="020B0503020204020204" pitchFamily="34" charset="-122"/>
-                  <a:ea typeface="微软雅黑" panose="020B0503020204020204" pitchFamily="34" charset="-122"/>
-                </a:rPr>
-                <a:t>Spark</a:t>
-              </a:r>
-              <a:r>
-                <a:rPr lang="zh-CN" altLang="en-US" sz="1400" dirty="0">
-                  <a:solidFill>
-                    <a:schemeClr val="tx1">
-                      <a:lumMod val="65000"/>
-                      <a:lumOff val="35000"/>
-                    </a:schemeClr>
-                  </a:solidFill>
-                  <a:latin typeface="微软雅黑" panose="020B0503020204020204" pitchFamily="34" charset="-122"/>
-                  <a:ea typeface="微软雅黑" panose="020B0503020204020204" pitchFamily="34" charset="-122"/>
-                </a:rPr>
-                <a:t>运行的各种模式，包括单机</a:t>
-              </a:r>
-              <a:r>
-                <a:rPr lang="en-US" altLang="zh-CN" sz="1400" dirty="0">
-                  <a:solidFill>
-                    <a:schemeClr val="tx1">
-                      <a:lumMod val="65000"/>
-                      <a:lumOff val="35000"/>
-                    </a:schemeClr>
-                  </a:solidFill>
-                  <a:latin typeface="微软雅黑" panose="020B0503020204020204" pitchFamily="34" charset="-122"/>
-                  <a:ea typeface="微软雅黑" panose="020B0503020204020204" pitchFamily="34" charset="-122"/>
-                </a:rPr>
-                <a:t>local</a:t>
-              </a:r>
-              <a:r>
-                <a:rPr lang="zh-CN" altLang="en-US" sz="1400" dirty="0">
-                  <a:solidFill>
-                    <a:schemeClr val="tx1">
-                      <a:lumMod val="65000"/>
-                      <a:lumOff val="35000"/>
-                    </a:schemeClr>
-                  </a:solidFill>
-                  <a:latin typeface="微软雅黑" panose="020B0503020204020204" pitchFamily="34" charset="-122"/>
-                  <a:ea typeface="微软雅黑" panose="020B0503020204020204" pitchFamily="34" charset="-122"/>
-                </a:rPr>
-                <a:t>、独立</a:t>
-              </a:r>
-              <a:r>
-                <a:rPr lang="en-US" altLang="zh-CN" sz="1400" dirty="0">
-                  <a:solidFill>
-                    <a:schemeClr val="tx1">
-                      <a:lumMod val="65000"/>
-                      <a:lumOff val="35000"/>
-                    </a:schemeClr>
-                  </a:solidFill>
-                  <a:latin typeface="微软雅黑" panose="020B0503020204020204" pitchFamily="34" charset="-122"/>
-                  <a:ea typeface="微软雅黑" panose="020B0503020204020204" pitchFamily="34" charset="-122"/>
-                </a:rPr>
-                <a:t>Spark</a:t>
-              </a:r>
-              <a:r>
-                <a:rPr lang="zh-CN" altLang="en-US" sz="1400" dirty="0">
-                  <a:solidFill>
-                    <a:schemeClr val="tx1">
-                      <a:lumMod val="65000"/>
-                      <a:lumOff val="35000"/>
-                    </a:schemeClr>
-                  </a:solidFill>
-                  <a:latin typeface="微软雅黑" panose="020B0503020204020204" pitchFamily="34" charset="-122"/>
-                  <a:ea typeface="微软雅黑" panose="020B0503020204020204" pitchFamily="34" charset="-122"/>
-                </a:rPr>
-                <a:t>集群</a:t>
-              </a:r>
-              <a:r>
-                <a:rPr lang="en-US" altLang="zh-CN" sz="1400" dirty="0">
-                  <a:solidFill>
-                    <a:schemeClr val="tx1">
-                      <a:lumMod val="65000"/>
-                      <a:lumOff val="35000"/>
-                    </a:schemeClr>
-                  </a:solidFill>
-                  <a:latin typeface="微软雅黑" panose="020B0503020204020204" pitchFamily="34" charset="-122"/>
-                  <a:ea typeface="微软雅黑" panose="020B0503020204020204" pitchFamily="34" charset="-122"/>
-                </a:rPr>
-                <a:t>(Standalone)</a:t>
-              </a:r>
-              <a:r>
-                <a:rPr lang="zh-CN" altLang="en-US" sz="1400" dirty="0">
-                  <a:solidFill>
-                    <a:schemeClr val="tx1">
-                      <a:lumMod val="65000"/>
-                      <a:lumOff val="35000"/>
-                    </a:schemeClr>
-                  </a:solidFill>
-                  <a:latin typeface="微软雅黑" panose="020B0503020204020204" pitchFamily="34" charset="-122"/>
-                  <a:ea typeface="微软雅黑" panose="020B0503020204020204" pitchFamily="34" charset="-122"/>
-                </a:rPr>
-                <a:t>、</a:t>
-              </a:r>
-              <a:r>
-                <a:rPr lang="en-US" altLang="zh-CN" sz="1400" dirty="0" err="1">
-                  <a:solidFill>
-                    <a:schemeClr val="tx1">
-                      <a:lumMod val="65000"/>
-                      <a:lumOff val="35000"/>
-                    </a:schemeClr>
-                  </a:solidFill>
-                  <a:latin typeface="微软雅黑" panose="020B0503020204020204" pitchFamily="34" charset="-122"/>
-                  <a:ea typeface="微软雅黑" panose="020B0503020204020204" pitchFamily="34" charset="-122"/>
-                </a:rPr>
-                <a:t>Spark+Hadoop</a:t>
-              </a:r>
-              <a:r>
-                <a:rPr lang="zh-CN" altLang="en-US" sz="1400" dirty="0">
-                  <a:solidFill>
-                    <a:schemeClr val="tx1">
-                      <a:lumMod val="65000"/>
-                      <a:lumOff val="35000"/>
-                    </a:schemeClr>
-                  </a:solidFill>
-                  <a:latin typeface="微软雅黑" panose="020B0503020204020204" pitchFamily="34" charset="-122"/>
-                  <a:ea typeface="微软雅黑" panose="020B0503020204020204" pitchFamily="34" charset="-122"/>
-                </a:rPr>
-                <a:t>模式</a:t>
-              </a:r>
-              <a:r>
-                <a:rPr lang="en-US" altLang="zh-CN" sz="1400" dirty="0">
-                  <a:solidFill>
-                    <a:schemeClr val="tx1">
-                      <a:lumMod val="65000"/>
-                      <a:lumOff val="35000"/>
-                    </a:schemeClr>
-                  </a:solidFill>
-                  <a:latin typeface="微软雅黑" panose="020B0503020204020204" pitchFamily="34" charset="-122"/>
-                  <a:ea typeface="微软雅黑" panose="020B0503020204020204" pitchFamily="34" charset="-122"/>
-                </a:rPr>
-                <a:t>(On-Yarn</a:t>
-              </a:r>
-              <a:r>
-                <a:rPr lang="zh-CN" altLang="en-US" sz="1400" dirty="0">
-                  <a:solidFill>
-                    <a:schemeClr val="tx1">
-                      <a:lumMod val="65000"/>
-                      <a:lumOff val="35000"/>
-                    </a:schemeClr>
-                  </a:solidFill>
-                  <a:latin typeface="微软雅黑" panose="020B0503020204020204" pitchFamily="34" charset="-122"/>
-                  <a:ea typeface="微软雅黑" panose="020B0503020204020204" pitchFamily="34" charset="-122"/>
-                </a:rPr>
-                <a:t>，主要包括</a:t>
-              </a:r>
-              <a:r>
-                <a:rPr lang="en-US" altLang="zh-CN" sz="1400" dirty="0">
-                  <a:solidFill>
-                    <a:schemeClr val="tx1">
-                      <a:lumMod val="65000"/>
-                      <a:lumOff val="35000"/>
-                    </a:schemeClr>
-                  </a:solidFill>
-                  <a:latin typeface="微软雅黑" panose="020B0503020204020204" pitchFamily="34" charset="-122"/>
-                  <a:ea typeface="微软雅黑" panose="020B0503020204020204" pitchFamily="34" charset="-122"/>
-                </a:rPr>
-                <a:t>yarn-Client</a:t>
-              </a:r>
-              <a:r>
-                <a:rPr lang="zh-CN" altLang="en-US" sz="1400" dirty="0">
-                  <a:solidFill>
-                    <a:schemeClr val="tx1">
-                      <a:lumMod val="65000"/>
-                      <a:lumOff val="35000"/>
-                    </a:schemeClr>
-                  </a:solidFill>
-                  <a:latin typeface="微软雅黑" panose="020B0503020204020204" pitchFamily="34" charset="-122"/>
-                  <a:ea typeface="微软雅黑" panose="020B0503020204020204" pitchFamily="34" charset="-122"/>
-                </a:rPr>
-                <a:t>和</a:t>
-              </a:r>
-              <a:r>
-                <a:rPr lang="en-US" altLang="zh-CN" sz="1400" dirty="0">
-                  <a:solidFill>
-                    <a:schemeClr val="tx1">
-                      <a:lumMod val="65000"/>
-                      <a:lumOff val="35000"/>
-                    </a:schemeClr>
-                  </a:solidFill>
-                  <a:latin typeface="微软雅黑" panose="020B0503020204020204" pitchFamily="34" charset="-122"/>
-                  <a:ea typeface="微软雅黑" panose="020B0503020204020204" pitchFamily="34" charset="-122"/>
-                </a:rPr>
-                <a:t>yarn-Cluster</a:t>
-              </a:r>
-              <a:r>
-                <a:rPr lang="zh-CN" altLang="en-US" sz="1400" dirty="0">
-                  <a:solidFill>
-                    <a:schemeClr val="tx1">
-                      <a:lumMod val="65000"/>
-                      <a:lumOff val="35000"/>
-                    </a:schemeClr>
-                  </a:solidFill>
-                  <a:latin typeface="微软雅黑" panose="020B0503020204020204" pitchFamily="34" charset="-122"/>
-                  <a:ea typeface="微软雅黑" panose="020B0503020204020204" pitchFamily="34" charset="-122"/>
-                </a:rPr>
-                <a:t>）</a:t>
-              </a:r>
-              <a:endParaRPr lang="en-US" altLang="zh-CN" sz="1400" dirty="0">
-                <a:solidFill>
-                  <a:schemeClr val="tx1">
-                    <a:lumMod val="65000"/>
-                    <a:lumOff val="35000"/>
-                  </a:schemeClr>
-                </a:solidFill>
-                <a:latin typeface="微软雅黑" panose="020B0503020204020204" pitchFamily="34" charset="-122"/>
-                <a:ea typeface="微软雅黑" panose="020B0503020204020204" pitchFamily="34" charset="-122"/>
-              </a:endParaRPr>
-            </a:p>
-          </p:txBody>
-        </p:sp>
-        <p:sp>
-          <p:nvSpPr>
-            <p:cNvPr id="39" name="文本框 19"/>
-            <p:cNvSpPr>
-              <a:spLocks noChangeArrowheads="1"/>
-            </p:cNvSpPr>
-            <p:nvPr/>
-          </p:nvSpPr>
-          <p:spPr bwMode="auto">
-            <a:xfrm>
-              <a:off x="1285634" y="2021572"/>
-              <a:ext cx="1941750" cy="400203"/>
-            </a:xfrm>
-            <a:prstGeom prst="rect">
-              <a:avLst/>
-            </a:prstGeom>
-            <a:noFill/>
-            <a:ln>
-              <a:noFill/>
-            </a:ln>
-            <a:extLst>
-              <a:ext uri="{909E8E84-426E-40DD-AFC4-6F175D3DCCD1}">
-                <a14:hiddenFill xmlns:a14="http://schemas.microsoft.com/office/drawing/2010/main">
-                  <a:solidFill>
-                    <a:srgbClr val="FFFFFF"/>
-                  </a:solidFill>
-                </a14:hiddenFill>
-              </a:ext>
-              <a:ext uri="{91240B29-F687-4F45-9708-019B960494DF}">
-                <a14:hiddenLine xmlns:a14="http://schemas.microsoft.com/office/drawing/2010/main" w="9525">
-                  <a:solidFill>
-                    <a:srgbClr val="000000"/>
-                  </a:solidFill>
-                  <a:miter lim="800000"/>
-                  <a:headEnd/>
-                  <a:tailEnd/>
-                </a14:hiddenLine>
-              </a:ext>
-            </a:extLst>
-          </p:spPr>
-          <p:txBody>
-            <a:bodyPr wrap="none">
-              <a:spAutoFit/>
-            </a:bodyPr>
-            <a:lstStyle>
-              <a:lvl1pPr eaLnBrk="0" hangingPunct="0">
-                <a:defRPr>
-                  <a:solidFill>
-                    <a:schemeClr val="tx1"/>
-                  </a:solidFill>
-                  <a:latin typeface="Arial" panose="020B0604020202020204" pitchFamily="34" charset="0"/>
-                  <a:ea typeface="宋体" panose="02010600030101010101" pitchFamily="2" charset="-122"/>
-                </a:defRPr>
-              </a:lvl1pPr>
-              <a:lvl2pPr marL="742950" indent="-285750" eaLnBrk="0" hangingPunct="0">
-                <a:defRPr>
-                  <a:solidFill>
-                    <a:schemeClr val="tx1"/>
-                  </a:solidFill>
-                  <a:latin typeface="Arial" panose="020B0604020202020204" pitchFamily="34" charset="0"/>
-                  <a:ea typeface="宋体" panose="02010600030101010101" pitchFamily="2" charset="-122"/>
-                </a:defRPr>
-              </a:lvl2pPr>
-              <a:lvl3pPr marL="1143000" indent="-228600" eaLnBrk="0" hangingPunct="0">
-                <a:defRPr>
-                  <a:solidFill>
-                    <a:schemeClr val="tx1"/>
-                  </a:solidFill>
-                  <a:latin typeface="Arial" panose="020B0604020202020204" pitchFamily="34" charset="0"/>
-                  <a:ea typeface="宋体" panose="02010600030101010101" pitchFamily="2" charset="-122"/>
-                </a:defRPr>
-              </a:lvl3pPr>
-              <a:lvl4pPr marL="1600200" indent="-228600" eaLnBrk="0" hangingPunct="0">
-                <a:defRPr>
-                  <a:solidFill>
-                    <a:schemeClr val="tx1"/>
-                  </a:solidFill>
-                  <a:latin typeface="Arial" panose="020B0604020202020204" pitchFamily="34" charset="0"/>
-                  <a:ea typeface="宋体" panose="02010600030101010101" pitchFamily="2" charset="-122"/>
-                </a:defRPr>
-              </a:lvl4pPr>
-              <a:lvl5pPr marL="2057400" indent="-228600" eaLnBrk="0" hangingPunct="0">
-                <a:defRPr>
-                  <a:solidFill>
-                    <a:schemeClr val="tx1"/>
-                  </a:solidFill>
-                  <a:latin typeface="Arial" panose="020B0604020202020204" pitchFamily="34" charset="0"/>
-                  <a:ea typeface="宋体" panose="02010600030101010101" pitchFamily="2" charset="-122"/>
-                </a:defRPr>
-              </a:lvl5pPr>
-              <a:lvl6pPr marL="2514600" indent="-228600" eaLnBrk="0" fontAlgn="base" hangingPunct="0">
-                <a:spcBef>
-                  <a:spcPct val="0"/>
-                </a:spcBef>
-                <a:spcAft>
-                  <a:spcPct val="0"/>
-                </a:spcAft>
-                <a:buFont typeface="Arial" panose="020B0604020202020204" pitchFamily="34" charset="0"/>
-                <a:defRPr>
-                  <a:solidFill>
-                    <a:schemeClr val="tx1"/>
-                  </a:solidFill>
-                  <a:latin typeface="Arial" panose="020B0604020202020204" pitchFamily="34" charset="0"/>
-                  <a:ea typeface="宋体" panose="02010600030101010101" pitchFamily="2" charset="-122"/>
-                </a:defRPr>
-              </a:lvl6pPr>
-              <a:lvl7pPr marL="2971800" indent="-228600" eaLnBrk="0" fontAlgn="base" hangingPunct="0">
-                <a:spcBef>
-                  <a:spcPct val="0"/>
-                </a:spcBef>
-                <a:spcAft>
-                  <a:spcPct val="0"/>
-                </a:spcAft>
-                <a:buFont typeface="Arial" panose="020B0604020202020204" pitchFamily="34" charset="0"/>
-                <a:defRPr>
-                  <a:solidFill>
-                    <a:schemeClr val="tx1"/>
-                  </a:solidFill>
-                  <a:latin typeface="Arial" panose="020B0604020202020204" pitchFamily="34" charset="0"/>
-                  <a:ea typeface="宋体" panose="02010600030101010101" pitchFamily="2" charset="-122"/>
-                </a:defRPr>
-              </a:lvl7pPr>
-              <a:lvl8pPr marL="3429000" indent="-228600" eaLnBrk="0" fontAlgn="base" hangingPunct="0">
-                <a:spcBef>
-                  <a:spcPct val="0"/>
-                </a:spcBef>
-                <a:spcAft>
-                  <a:spcPct val="0"/>
-                </a:spcAft>
-                <a:buFont typeface="Arial" panose="020B0604020202020204" pitchFamily="34" charset="0"/>
-                <a:defRPr>
-                  <a:solidFill>
-                    <a:schemeClr val="tx1"/>
-                  </a:solidFill>
-                  <a:latin typeface="Arial" panose="020B0604020202020204" pitchFamily="34" charset="0"/>
-                  <a:ea typeface="宋体" panose="02010600030101010101" pitchFamily="2" charset="-122"/>
-                </a:defRPr>
-              </a:lvl8pPr>
-              <a:lvl9pPr marL="3886200" indent="-228600" eaLnBrk="0" fontAlgn="base" hangingPunct="0">
-                <a:spcBef>
-                  <a:spcPct val="0"/>
-                </a:spcBef>
-                <a:spcAft>
-                  <a:spcPct val="0"/>
-                </a:spcAft>
-                <a:buFont typeface="Arial" panose="020B0604020202020204" pitchFamily="34" charset="0"/>
-                <a:defRPr>
-                  <a:solidFill>
-                    <a:schemeClr val="tx1"/>
-                  </a:solidFill>
-                  <a:latin typeface="Arial" panose="020B0604020202020204" pitchFamily="34" charset="0"/>
-                  <a:ea typeface="宋体" panose="02010600030101010101" pitchFamily="2" charset="-122"/>
-                </a:defRPr>
-              </a:lvl9pPr>
-            </a:lstStyle>
-            <a:p>
-              <a:pPr eaLnBrk="1" hangingPunct="1"/>
-              <a:r>
-                <a:rPr lang="en-US" altLang="zh-CN" sz="2000" b="1" dirty="0">
-                  <a:solidFill>
-                    <a:schemeClr val="tx1">
-                      <a:lumMod val="65000"/>
-                      <a:lumOff val="35000"/>
-                    </a:schemeClr>
-                  </a:solidFill>
-                  <a:latin typeface="微软雅黑" panose="020B0503020204020204" pitchFamily="34" charset="-122"/>
-                  <a:ea typeface="微软雅黑" panose="020B0503020204020204" pitchFamily="34" charset="-122"/>
-                  <a:cs typeface="Calibri" panose="020F0502020204030204" pitchFamily="34" charset="0"/>
-                  <a:sym typeface="Calibri" panose="020F0502020204030204" pitchFamily="34" charset="0"/>
-                </a:rPr>
-                <a:t>Spark</a:t>
-              </a:r>
-              <a:r>
-                <a:rPr lang="zh-CN" altLang="en-US" sz="2000" b="1" dirty="0">
-                  <a:solidFill>
-                    <a:schemeClr val="tx1">
-                      <a:lumMod val="65000"/>
-                      <a:lumOff val="35000"/>
-                    </a:schemeClr>
-                  </a:solidFill>
-                  <a:latin typeface="微软雅黑" panose="020B0503020204020204" pitchFamily="34" charset="-122"/>
-                  <a:ea typeface="微软雅黑" panose="020B0503020204020204" pitchFamily="34" charset="-122"/>
-                  <a:cs typeface="Calibri" panose="020F0502020204030204" pitchFamily="34" charset="0"/>
-                  <a:sym typeface="Calibri" panose="020F0502020204030204" pitchFamily="34" charset="0"/>
-                </a:rPr>
-                <a:t>运行模式</a:t>
-              </a:r>
-              <a:endParaRPr lang="en-US" altLang="zh-CN" sz="1200" b="1" dirty="0">
-                <a:solidFill>
-                  <a:schemeClr val="tx1">
-                    <a:lumMod val="65000"/>
-                    <a:lumOff val="35000"/>
-                  </a:schemeClr>
-                </a:solidFill>
-                <a:latin typeface="微软雅黑" panose="020B0503020204020204" pitchFamily="34" charset="-122"/>
-                <a:ea typeface="微软雅黑" panose="020B0503020204020204" pitchFamily="34" charset="-122"/>
-                <a:cs typeface="Calibri" panose="020F0502020204030204" pitchFamily="34" charset="0"/>
-                <a:sym typeface="Calibri" panose="020F0502020204030204" pitchFamily="34" charset="0"/>
-              </a:endParaRPr>
-            </a:p>
-          </p:txBody>
-        </p:sp>
-      </p:grpSp>
-      <p:grpSp>
-        <p:nvGrpSpPr>
-          <p:cNvPr id="64" name="组合 63"/>
-          <p:cNvGrpSpPr/>
-          <p:nvPr/>
-        </p:nvGrpSpPr>
-        <p:grpSpPr>
-          <a:xfrm>
-            <a:off x="-2037" y="-12668"/>
-            <a:ext cx="12194037" cy="733182"/>
-            <a:chOff x="-2037" y="-12668"/>
-            <a:chExt cx="12194037" cy="733182"/>
-          </a:xfrm>
-        </p:grpSpPr>
-        <p:pic>
-          <p:nvPicPr>
-            <p:cNvPr id="58" name="图片 57"/>
-            <p:cNvPicPr>
-              <a:picLocks noChangeAspect="1"/>
-            </p:cNvPicPr>
-            <p:nvPr/>
-          </p:nvPicPr>
-          <p:blipFill rotWithShape="1">
-            <a:blip r:embed="rId3">
-              <a:extLst>
-                <a:ext uri="{28A0092B-C50C-407E-A947-70E740481C1C}">
-                  <a14:useLocalDpi xmlns:a14="http://schemas.microsoft.com/office/drawing/2010/main" val="0"/>
-                </a:ext>
-              </a:extLst>
-            </a:blip>
-            <a:srcRect l="701" t="83726" r="4360" b="7711"/>
-            <a:stretch/>
-          </p:blipFill>
-          <p:spPr>
-            <a:xfrm>
-              <a:off x="-2037" y="-12668"/>
-              <a:ext cx="12194037" cy="733182"/>
-            </a:xfrm>
-            <a:prstGeom prst="rect">
-              <a:avLst/>
-            </a:prstGeom>
-          </p:spPr>
-        </p:pic>
-        <p:grpSp>
-          <p:nvGrpSpPr>
-            <p:cNvPr id="59" name="组合 58"/>
-            <p:cNvGrpSpPr/>
-            <p:nvPr/>
-          </p:nvGrpSpPr>
-          <p:grpSpPr>
-            <a:xfrm>
-              <a:off x="243261" y="36283"/>
-              <a:ext cx="2940485" cy="646331"/>
-              <a:chOff x="7409549" y="2061765"/>
-              <a:chExt cx="2940485" cy="646331"/>
-            </a:xfrm>
-          </p:grpSpPr>
-          <p:sp>
-            <p:nvSpPr>
-              <p:cNvPr id="60" name="文本框 59"/>
-              <p:cNvSpPr txBox="1"/>
-              <p:nvPr/>
-            </p:nvSpPr>
-            <p:spPr>
-              <a:xfrm>
-                <a:off x="7930846" y="2198872"/>
-                <a:ext cx="2419188" cy="369332"/>
-              </a:xfrm>
-              <a:prstGeom prst="rect">
-                <a:avLst/>
-              </a:prstGeom>
-              <a:noFill/>
-            </p:spPr>
-            <p:txBody>
-              <a:bodyPr wrap="none" rtlCol="0">
-                <a:spAutoFit/>
-              </a:bodyPr>
-              <a:lstStyle/>
-              <a:p>
-                <a:r>
-                  <a:rPr lang="en-US" altLang="zh-CN" dirty="0">
-                    <a:solidFill>
-                      <a:schemeClr val="tx1">
-                        <a:lumMod val="75000"/>
-                        <a:lumOff val="25000"/>
-                      </a:schemeClr>
-                    </a:solidFill>
-                    <a:latin typeface="微软雅黑" panose="020B0503020204020204" pitchFamily="34" charset="-122"/>
-                    <a:ea typeface="微软雅黑" panose="020B0503020204020204" pitchFamily="34" charset="-122"/>
-                  </a:rPr>
-                  <a:t>Spark</a:t>
-                </a:r>
-                <a:r>
-                  <a:rPr lang="zh-CN" altLang="en-US" dirty="0">
-                    <a:solidFill>
-                      <a:schemeClr val="tx1">
-                        <a:lumMod val="75000"/>
-                        <a:lumOff val="25000"/>
-                      </a:schemeClr>
-                    </a:solidFill>
-                    <a:latin typeface="微软雅黑" panose="020B0503020204020204" pitchFamily="34" charset="-122"/>
-                    <a:ea typeface="微软雅黑" panose="020B0503020204020204" pitchFamily="34" charset="-122"/>
-                  </a:rPr>
-                  <a:t>集群搭建与学习</a:t>
-                </a:r>
-              </a:p>
-            </p:txBody>
-          </p:sp>
-          <p:sp>
-            <p:nvSpPr>
-              <p:cNvPr id="63" name="矩形 62"/>
-              <p:cNvSpPr/>
-              <p:nvPr/>
-            </p:nvSpPr>
-            <p:spPr>
-              <a:xfrm>
-                <a:off x="7409549" y="2061765"/>
-                <a:ext cx="521297" cy="646331"/>
-              </a:xfrm>
-              <a:prstGeom prst="rect">
-                <a:avLst/>
-              </a:prstGeom>
-            </p:spPr>
-            <p:txBody>
-              <a:bodyPr wrap="none">
-                <a:spAutoFit/>
-              </a:bodyPr>
-              <a:lstStyle/>
-              <a:p>
-                <a:r>
-                  <a:rPr lang="en-US" altLang="zh-CN" sz="3600" dirty="0">
-                    <a:latin typeface="Tw Cen MT Condensed" panose="020B0606020104020203" pitchFamily="34" charset="0"/>
-                  </a:rPr>
-                  <a:t>02</a:t>
-                </a:r>
-              </a:p>
-            </p:txBody>
-          </p:sp>
-        </p:grpSp>
-      </p:grpSp>
-      <p:pic>
-        <p:nvPicPr>
-          <p:cNvPr id="2" name="图片 1">
-            <a:extLst>
-              <a:ext uri="{FF2B5EF4-FFF2-40B4-BE49-F238E27FC236}">
-                <a16:creationId xmlns:a16="http://schemas.microsoft.com/office/drawing/2014/main" id="{0B67E0B5-D3FA-4ACF-B132-CFC6D44C56BE}"/>
-              </a:ext>
-            </a:extLst>
-          </p:cNvPr>
-          <p:cNvPicPr>
-            <a:picLocks noChangeAspect="1"/>
-          </p:cNvPicPr>
-          <p:nvPr/>
-        </p:nvPicPr>
-        <p:blipFill>
-          <a:blip r:embed="rId4"/>
-          <a:stretch>
-            <a:fillRect/>
-          </a:stretch>
-        </p:blipFill>
-        <p:spPr>
-          <a:xfrm>
-            <a:off x="4671689" y="1311008"/>
-            <a:ext cx="5835015" cy="4565436"/>
-          </a:xfrm>
-          <a:prstGeom prst="rect">
-            <a:avLst/>
-          </a:prstGeom>
-        </p:spPr>
-      </p:pic>
-    </p:spTree>
-    <p:extLst>
-      <p:ext uri="{BB962C8B-B14F-4D97-AF65-F5344CB8AC3E}">
-        <p14:creationId xmlns:p14="http://schemas.microsoft.com/office/powerpoint/2010/main" val="4200131218"/>
       </p:ext>
     </p:extLst>
   </p:cSld>
